--- a/_umkc-teaching/slides/Lecture13.pptx
+++ b/_umkc-teaching/slides/Lecture13.pptx
@@ -5,7 +5,7 @@
     <p:sldMasterId id="2147483660" r:id="rId1"/>
   </p:sldMasterIdLst>
   <p:notesMasterIdLst>
-    <p:notesMasterId r:id="rId11"/>
+    <p:notesMasterId r:id="rId13"/>
   </p:notesMasterIdLst>
   <p:sldIdLst>
     <p:sldId id="257" r:id="rId2"/>
@@ -17,6 +17,8 @@
     <p:sldId id="454" r:id="rId8"/>
     <p:sldId id="455" r:id="rId9"/>
     <p:sldId id="456" r:id="rId10"/>
+    <p:sldId id="457" r:id="rId11"/>
+    <p:sldId id="458" r:id="rId12"/>
   </p:sldIdLst>
   <p:sldSz cx="12192000" cy="6858000"/>
   <p:notesSz cx="6858000" cy="9144000"/>
@@ -1175,6 +1177,95 @@
     <p:extLst>
       <p:ext uri="{BB962C8B-B14F-4D97-AF65-F5344CB8AC3E}">
         <p14:creationId xmlns:p14="http://schemas.microsoft.com/office/powerpoint/2010/main" val="399574568"/>
+      </p:ext>
+    </p:extLst>
+  </p:cSld>
+  <p:clrMapOvr>
+    <a:masterClrMapping/>
+  </p:clrMapOvr>
+</p:notes>
+</file>
+
+<file path=ppt/notesSlides/notesSlide9.xml><?xml version="1.0" encoding="utf-8"?>
+<p:notes xmlns:a="http://schemas.openxmlformats.org/drawingml/2006/main" xmlns:r="http://schemas.openxmlformats.org/officeDocument/2006/relationships" xmlns:p="http://schemas.openxmlformats.org/presentationml/2006/main">
+  <p:cSld>
+    <p:spTree>
+      <p:nvGrpSpPr>
+        <p:cNvPr id="1" name=""/>
+        <p:cNvGrpSpPr/>
+        <p:nvPr/>
+      </p:nvGrpSpPr>
+      <p:grpSpPr>
+        <a:xfrm>
+          <a:off x="0" y="0"/>
+          <a:ext cx="0" cy="0"/>
+          <a:chOff x="0" y="0"/>
+          <a:chExt cx="0" cy="0"/>
+        </a:xfrm>
+      </p:grpSpPr>
+      <p:sp>
+        <p:nvSpPr>
+          <p:cNvPr id="2" name="Slide Image Placeholder 1"/>
+          <p:cNvSpPr>
+            <a:spLocks noGrp="1" noRot="1" noChangeAspect="1"/>
+          </p:cNvSpPr>
+          <p:nvPr>
+            <p:ph type="sldImg"/>
+          </p:nvPr>
+        </p:nvSpPr>
+        <p:spPr>
+          <a:xfrm>
+            <a:off x="685800" y="1143000"/>
+            <a:ext cx="5486400" cy="3086100"/>
+          </a:xfrm>
+        </p:spPr>
+      </p:sp>
+      <p:sp>
+        <p:nvSpPr>
+          <p:cNvPr id="3" name="Notes Placeholder 2"/>
+          <p:cNvSpPr>
+            <a:spLocks noGrp="1"/>
+          </p:cNvSpPr>
+          <p:nvPr>
+            <p:ph type="body" idx="1"/>
+          </p:nvPr>
+        </p:nvSpPr>
+        <p:spPr/>
+        <p:txBody>
+          <a:bodyPr/>
+          <a:lstStyle/>
+          <a:p>
+            <a:endParaRPr lang="en-US" dirty="0"/>
+          </a:p>
+        </p:txBody>
+      </p:sp>
+      <p:sp>
+        <p:nvSpPr>
+          <p:cNvPr id="4" name="Slide Number Placeholder 3"/>
+          <p:cNvSpPr>
+            <a:spLocks noGrp="1"/>
+          </p:cNvSpPr>
+          <p:nvPr>
+            <p:ph type="sldNum" sz="quarter" idx="5"/>
+          </p:nvPr>
+        </p:nvSpPr>
+        <p:spPr/>
+        <p:txBody>
+          <a:bodyPr/>
+          <a:lstStyle/>
+          <a:p>
+            <a:fld id="{3F8BDF20-BE86-4883-8A23-4CE3D0058BEA}" type="slidenum">
+              <a:rPr lang="en-US" smtClean="0"/>
+              <a:t>10</a:t>
+            </a:fld>
+            <a:endParaRPr lang="en-US"/>
+          </a:p>
+        </p:txBody>
+      </p:sp>
+    </p:spTree>
+    <p:extLst>
+      <p:ext uri="{BB962C8B-B14F-4D97-AF65-F5344CB8AC3E}">
+        <p14:creationId xmlns:p14="http://schemas.microsoft.com/office/powerpoint/2010/main" val="1204032728"/>
       </p:ext>
     </p:extLst>
   </p:cSld>
@@ -4288,6 +4379,507 @@
     <p:extLst>
       <p:ext uri="{BB962C8B-B14F-4D97-AF65-F5344CB8AC3E}">
         <p14:creationId xmlns:p14="http://schemas.microsoft.com/office/powerpoint/2010/main" val="3522399239"/>
+      </p:ext>
+    </p:extLst>
+  </p:cSld>
+  <p:clrMapOvr>
+    <a:masterClrMapping/>
+  </p:clrMapOvr>
+</p:sld>
+</file>
+
+<file path=ppt/slides/slide10.xml><?xml version="1.0" encoding="utf-8"?>
+<p:sld xmlns:a="http://schemas.openxmlformats.org/drawingml/2006/main" xmlns:r="http://schemas.openxmlformats.org/officeDocument/2006/relationships" xmlns:p="http://schemas.openxmlformats.org/presentationml/2006/main">
+  <p:cSld>
+    <p:spTree>
+      <p:nvGrpSpPr>
+        <p:cNvPr id="1" name=""/>
+        <p:cNvGrpSpPr/>
+        <p:nvPr/>
+      </p:nvGrpSpPr>
+      <p:grpSpPr>
+        <a:xfrm>
+          <a:off x="0" y="0"/>
+          <a:ext cx="0" cy="0"/>
+          <a:chOff x="0" y="0"/>
+          <a:chExt cx="0" cy="0"/>
+        </a:xfrm>
+      </p:grpSpPr>
+      <mc:AlternateContent xmlns:mc="http://schemas.openxmlformats.org/markup-compatibility/2006">
+        <mc:Choice xmlns:a14="http://schemas.microsoft.com/office/drawing/2010/main" Requires="a14">
+          <p:sp>
+            <p:nvSpPr>
+              <p:cNvPr id="2" name="Title 1"/>
+              <p:cNvSpPr>
+                <a:spLocks noGrp="1"/>
+              </p:cNvSpPr>
+              <p:nvPr>
+                <p:ph type="title"/>
+              </p:nvPr>
+            </p:nvSpPr>
+            <p:spPr>
+              <a:xfrm>
+                <a:off x="838200" y="365126"/>
+                <a:ext cx="10515600" cy="981894"/>
+              </a:xfrm>
+            </p:spPr>
+            <p:txBody>
+              <a:bodyPr>
+                <a:normAutofit/>
+              </a:bodyPr>
+              <a:lstStyle/>
+              <a:p>
+                <a:r>
+                  <a:rPr lang="en-US" dirty="0"/>
+                  <a:t>Decide Whether to Reject </a:t>
+                </a:r>
+                <a14:m>
+                  <m:oMath xmlns:m="http://schemas.openxmlformats.org/officeDocument/2006/math">
+                    <m:sSub>
+                      <m:sSubPr>
+                        <m:ctrlPr>
+                          <a:rPr lang="en-US" altLang="zh-CN" sz="4400" b="0" i="1" smtClean="0">
+                            <a:latin typeface="Cambria Math" panose="02040503050406030204" pitchFamily="18" charset="0"/>
+                          </a:rPr>
+                        </m:ctrlPr>
+                      </m:sSubPr>
+                      <m:e>
+                        <m:r>
+                          <a:rPr lang="en-US" altLang="zh-CN" sz="4400" b="0" i="1" smtClean="0">
+                            <a:latin typeface="Cambria Math" panose="02040503050406030204" pitchFamily="18" charset="0"/>
+                          </a:rPr>
+                          <m:t>𝐻</m:t>
+                        </m:r>
+                      </m:e>
+                      <m:sub>
+                        <m:r>
+                          <a:rPr lang="en-US" altLang="zh-CN" sz="4400" b="0" i="1" smtClean="0">
+                            <a:latin typeface="Cambria Math" panose="02040503050406030204" pitchFamily="18" charset="0"/>
+                          </a:rPr>
+                          <m:t>0</m:t>
+                        </m:r>
+                      </m:sub>
+                    </m:sSub>
+                  </m:oMath>
+                </a14:m>
+                <a:r>
+                  <a:rPr lang="en-US" dirty="0"/>
+                  <a:t> </a:t>
+                </a:r>
+              </a:p>
+            </p:txBody>
+          </p:sp>
+        </mc:Choice>
+        <mc:Fallback>
+          <p:sp>
+            <p:nvSpPr>
+              <p:cNvPr id="2" name="Title 1"/>
+              <p:cNvSpPr>
+                <a:spLocks noGrp="1" noRot="1" noChangeAspect="1" noMove="1" noResize="1" noEditPoints="1" noAdjustHandles="1" noChangeArrowheads="1" noChangeShapeType="1" noTextEdit="1"/>
+              </p:cNvSpPr>
+              <p:nvPr>
+                <p:ph type="title"/>
+              </p:nvPr>
+            </p:nvSpPr>
+            <p:spPr>
+              <a:xfrm>
+                <a:off x="838200" y="365126"/>
+                <a:ext cx="10515600" cy="981894"/>
+              </a:xfrm>
+              <a:blipFill>
+                <a:blip r:embed="rId3"/>
+                <a:stretch>
+                  <a:fillRect l="-2413" t="-5063" b="-15190"/>
+                </a:stretch>
+              </a:blipFill>
+            </p:spPr>
+            <p:txBody>
+              <a:bodyPr/>
+              <a:lstStyle/>
+              <a:p>
+                <a:r>
+                  <a:rPr lang="en-US">
+                    <a:noFill/>
+                  </a:rPr>
+                  <a:t> </a:t>
+                </a:r>
+              </a:p>
+            </p:txBody>
+          </p:sp>
+        </mc:Fallback>
+      </mc:AlternateContent>
+      <mc:AlternateContent xmlns:mc="http://schemas.openxmlformats.org/markup-compatibility/2006">
+        <mc:Choice xmlns:a14="http://schemas.microsoft.com/office/drawing/2010/main" Requires="a14">
+          <p:sp>
+            <p:nvSpPr>
+              <p:cNvPr id="3" name="TextBox 2">
+                <a:extLst>
+                  <a:ext uri="{FF2B5EF4-FFF2-40B4-BE49-F238E27FC236}">
+                    <a16:creationId xmlns:a16="http://schemas.microsoft.com/office/drawing/2014/main" id="{EC969211-D2ED-512E-360D-EE85AFE3A82F}"/>
+                  </a:ext>
+                </a:extLst>
+              </p:cNvPr>
+              <p:cNvSpPr txBox="1"/>
+              <p:nvPr/>
+            </p:nvSpPr>
+            <p:spPr>
+              <a:xfrm>
+                <a:off x="838200" y="1745939"/>
+                <a:ext cx="9727558" cy="1384995"/>
+              </a:xfrm>
+              <a:prstGeom prst="rect">
+                <a:avLst/>
+              </a:prstGeom>
+              <a:noFill/>
+            </p:spPr>
+            <p:txBody>
+              <a:bodyPr wrap="square">
+                <a:spAutoFit/>
+              </a:bodyPr>
+              <a:lstStyle/>
+              <a:p>
+                <a:r>
+                  <a:rPr lang="en-US" altLang="zh-CN" sz="2800" dirty="0"/>
+                  <a:t>A small p-value indicates that such a large value of the test statistic is unlikely to occur under </a:t>
+                </a:r>
+                <a14:m>
+                  <m:oMath xmlns:m="http://schemas.openxmlformats.org/officeDocument/2006/math">
+                    <m:sSub>
+                      <m:sSubPr>
+                        <m:ctrlPr>
+                          <a:rPr lang="en-US" altLang="zh-CN" sz="2800" b="0" i="1" smtClean="0">
+                            <a:latin typeface="Cambria Math" panose="02040503050406030204" pitchFamily="18" charset="0"/>
+                          </a:rPr>
+                        </m:ctrlPr>
+                      </m:sSubPr>
+                      <m:e>
+                        <m:r>
+                          <a:rPr lang="en-US" altLang="zh-CN" sz="2800" b="0" i="1" smtClean="0">
+                            <a:latin typeface="Cambria Math" panose="02040503050406030204" pitchFamily="18" charset="0"/>
+                          </a:rPr>
+                          <m:t>𝐻</m:t>
+                        </m:r>
+                      </m:e>
+                      <m:sub>
+                        <m:r>
+                          <a:rPr lang="en-US" altLang="zh-CN" sz="2800" b="0" i="1" smtClean="0">
+                            <a:latin typeface="Cambria Math" panose="02040503050406030204" pitchFamily="18" charset="0"/>
+                          </a:rPr>
+                          <m:t>0</m:t>
+                        </m:r>
+                      </m:sub>
+                    </m:sSub>
+                  </m:oMath>
+                </a14:m>
+                <a:r>
+                  <a:rPr lang="en-US" altLang="zh-CN" sz="2800" dirty="0"/>
+                  <a:t>. </a:t>
+                </a:r>
+              </a:p>
+              <a:p>
+                <a:endParaRPr lang="en-US" altLang="zh-CN" sz="2800" dirty="0"/>
+              </a:p>
+            </p:txBody>
+          </p:sp>
+        </mc:Choice>
+        <mc:Fallback>
+          <p:sp>
+            <p:nvSpPr>
+              <p:cNvPr id="3" name="TextBox 2">
+                <a:extLst>
+                  <a:ext uri="{FF2B5EF4-FFF2-40B4-BE49-F238E27FC236}">
+                    <a16:creationId xmlns:a16="http://schemas.microsoft.com/office/drawing/2014/main" id="{EC969211-D2ED-512E-360D-EE85AFE3A82F}"/>
+                  </a:ext>
+                </a:extLst>
+              </p:cNvPr>
+              <p:cNvSpPr txBox="1">
+                <a:spLocks noRot="1" noChangeAspect="1" noMove="1" noResize="1" noEditPoints="1" noAdjustHandles="1" noChangeArrowheads="1" noChangeShapeType="1" noTextEdit="1"/>
+              </p:cNvSpPr>
+              <p:nvPr/>
+            </p:nvSpPr>
+            <p:spPr>
+              <a:xfrm>
+                <a:off x="838200" y="1745939"/>
+                <a:ext cx="9727558" cy="1384995"/>
+              </a:xfrm>
+              <a:prstGeom prst="rect">
+                <a:avLst/>
+              </a:prstGeom>
+              <a:blipFill>
+                <a:blip r:embed="rId4"/>
+                <a:stretch>
+                  <a:fillRect l="-1305" t="-4545"/>
+                </a:stretch>
+              </a:blipFill>
+            </p:spPr>
+            <p:txBody>
+              <a:bodyPr/>
+              <a:lstStyle/>
+              <a:p>
+                <a:r>
+                  <a:rPr lang="en-US">
+                    <a:noFill/>
+                  </a:rPr>
+                  <a:t> </a:t>
+                </a:r>
+              </a:p>
+            </p:txBody>
+          </p:sp>
+        </mc:Fallback>
+      </mc:AlternateContent>
+      <mc:AlternateContent xmlns:mc="http://schemas.openxmlformats.org/markup-compatibility/2006">
+        <mc:Choice xmlns:a14="http://schemas.microsoft.com/office/drawing/2010/main" Requires="a14">
+          <p:sp>
+            <p:nvSpPr>
+              <p:cNvPr id="6" name="TextBox 5">
+                <a:extLst>
+                  <a:ext uri="{FF2B5EF4-FFF2-40B4-BE49-F238E27FC236}">
+                    <a16:creationId xmlns:a16="http://schemas.microsoft.com/office/drawing/2014/main" id="{3AA09B04-9369-D902-50EB-D892B12B4728}"/>
+                  </a:ext>
+                </a:extLst>
+              </p:cNvPr>
+              <p:cNvSpPr txBox="1"/>
+              <p:nvPr/>
+            </p:nvSpPr>
+            <p:spPr>
+              <a:xfrm>
+                <a:off x="838200" y="3429000"/>
+                <a:ext cx="9727558" cy="954107"/>
+              </a:xfrm>
+              <a:prstGeom prst="rect">
+                <a:avLst/>
+              </a:prstGeom>
+              <a:noFill/>
+            </p:spPr>
+            <p:txBody>
+              <a:bodyPr wrap="square">
+                <a:spAutoFit/>
+              </a:bodyPr>
+              <a:lstStyle/>
+              <a:p>
+                <a:r>
+                  <a:rPr lang="en-US" altLang="zh-CN" sz="2800" dirty="0"/>
+                  <a:t>A small p-value provides evidence against </a:t>
+                </a:r>
+                <a14:m>
+                  <m:oMath xmlns:m="http://schemas.openxmlformats.org/officeDocument/2006/math">
+                    <m:sSub>
+                      <m:sSubPr>
+                        <m:ctrlPr>
+                          <a:rPr lang="en-US" altLang="zh-CN" sz="2800" b="0" i="1" smtClean="0">
+                            <a:latin typeface="Cambria Math" panose="02040503050406030204" pitchFamily="18" charset="0"/>
+                          </a:rPr>
+                        </m:ctrlPr>
+                      </m:sSubPr>
+                      <m:e>
+                        <m:r>
+                          <a:rPr lang="en-US" altLang="zh-CN" sz="2800" b="0" i="1" smtClean="0">
+                            <a:latin typeface="Cambria Math" panose="02040503050406030204" pitchFamily="18" charset="0"/>
+                          </a:rPr>
+                          <m:t>𝐻</m:t>
+                        </m:r>
+                      </m:e>
+                      <m:sub>
+                        <m:r>
+                          <a:rPr lang="en-US" altLang="zh-CN" sz="2800" b="0" i="1" smtClean="0">
+                            <a:latin typeface="Cambria Math" panose="02040503050406030204" pitchFamily="18" charset="0"/>
+                          </a:rPr>
+                          <m:t>0</m:t>
+                        </m:r>
+                      </m:sub>
+                    </m:sSub>
+                  </m:oMath>
+                </a14:m>
+                <a:r>
+                  <a:rPr lang="en-US" altLang="zh-CN" sz="2800" dirty="0"/>
+                  <a:t> . </a:t>
+                </a:r>
+              </a:p>
+              <a:p>
+                <a:endParaRPr lang="en-US" altLang="zh-CN" sz="2800" dirty="0"/>
+              </a:p>
+            </p:txBody>
+          </p:sp>
+        </mc:Choice>
+        <mc:Fallback>
+          <p:sp>
+            <p:nvSpPr>
+              <p:cNvPr id="6" name="TextBox 5">
+                <a:extLst>
+                  <a:ext uri="{FF2B5EF4-FFF2-40B4-BE49-F238E27FC236}">
+                    <a16:creationId xmlns:a16="http://schemas.microsoft.com/office/drawing/2014/main" id="{3AA09B04-9369-D902-50EB-D892B12B4728}"/>
+                  </a:ext>
+                </a:extLst>
+              </p:cNvPr>
+              <p:cNvSpPr txBox="1">
+                <a:spLocks noRot="1" noChangeAspect="1" noMove="1" noResize="1" noEditPoints="1" noAdjustHandles="1" noChangeArrowheads="1" noChangeShapeType="1" noTextEdit="1"/>
+              </p:cNvSpPr>
+              <p:nvPr/>
+            </p:nvSpPr>
+            <p:spPr>
+              <a:xfrm>
+                <a:off x="838200" y="3429000"/>
+                <a:ext cx="9727558" cy="954107"/>
+              </a:xfrm>
+              <a:prstGeom prst="rect">
+                <a:avLst/>
+              </a:prstGeom>
+              <a:blipFill>
+                <a:blip r:embed="rId5"/>
+                <a:stretch>
+                  <a:fillRect l="-1305" t="-7895"/>
+                </a:stretch>
+              </a:blipFill>
+            </p:spPr>
+            <p:txBody>
+              <a:bodyPr/>
+              <a:lstStyle/>
+              <a:p>
+                <a:r>
+                  <a:rPr lang="en-US">
+                    <a:noFill/>
+                  </a:rPr>
+                  <a:t> </a:t>
+                </a:r>
+              </a:p>
+            </p:txBody>
+          </p:sp>
+        </mc:Fallback>
+      </mc:AlternateContent>
+      <p:sp>
+        <p:nvSpPr>
+          <p:cNvPr id="5" name="TextBox 4">
+            <a:extLst>
+              <a:ext uri="{FF2B5EF4-FFF2-40B4-BE49-F238E27FC236}">
+                <a16:creationId xmlns:a16="http://schemas.microsoft.com/office/drawing/2014/main" id="{20BF4163-6D56-9C10-D0B5-7CDD12291993}"/>
+              </a:ext>
+            </a:extLst>
+          </p:cNvPr>
+          <p:cNvSpPr txBox="1"/>
+          <p:nvPr/>
+        </p:nvSpPr>
+        <p:spPr>
+          <a:xfrm>
+            <a:off x="838200" y="4689250"/>
+            <a:ext cx="9727558" cy="954107"/>
+          </a:xfrm>
+          <a:prstGeom prst="rect">
+            <a:avLst/>
+          </a:prstGeom>
+          <a:noFill/>
+        </p:spPr>
+        <p:txBody>
+          <a:bodyPr wrap="square">
+            <a:spAutoFit/>
+          </a:bodyPr>
+          <a:lstStyle/>
+          <a:p>
+            <a:r>
+              <a:rPr lang="en-US" altLang="zh-CN" sz="2800" dirty="0"/>
+              <a:t>If the p-value is sufficiently small, then we will want to reject H0 (and, therefore, make a potential “discovery”). </a:t>
+            </a:r>
+          </a:p>
+        </p:txBody>
+      </p:sp>
+    </p:spTree>
+    <p:extLst>
+      <p:ext uri="{BB962C8B-B14F-4D97-AF65-F5344CB8AC3E}">
+        <p14:creationId xmlns:p14="http://schemas.microsoft.com/office/powerpoint/2010/main" val="3838707028"/>
+      </p:ext>
+    </p:extLst>
+  </p:cSld>
+  <p:clrMapOvr>
+    <a:masterClrMapping/>
+  </p:clrMapOvr>
+</p:sld>
+</file>
+
+<file path=ppt/slides/slide11.xml><?xml version="1.0" encoding="utf-8"?>
+<p:sld xmlns:a="http://schemas.openxmlformats.org/drawingml/2006/main" xmlns:r="http://schemas.openxmlformats.org/officeDocument/2006/relationships" xmlns:p="http://schemas.openxmlformats.org/presentationml/2006/main">
+  <p:cSld>
+    <p:spTree>
+      <p:nvGrpSpPr>
+        <p:cNvPr id="1" name=""/>
+        <p:cNvGrpSpPr/>
+        <p:nvPr/>
+      </p:nvGrpSpPr>
+      <p:grpSpPr>
+        <a:xfrm>
+          <a:off x="0" y="0"/>
+          <a:ext cx="0" cy="0"/>
+          <a:chOff x="0" y="0"/>
+          <a:chExt cx="0" cy="0"/>
+        </a:xfrm>
+      </p:grpSpPr>
+      <p:sp>
+        <p:nvSpPr>
+          <p:cNvPr id="2" name="Title 1">
+            <a:extLst>
+              <a:ext uri="{FF2B5EF4-FFF2-40B4-BE49-F238E27FC236}">
+                <a16:creationId xmlns:a16="http://schemas.microsoft.com/office/drawing/2014/main" id="{C7B6FA7C-E32E-794B-BBD8-E51479CBBF02}"/>
+              </a:ext>
+            </a:extLst>
+          </p:cNvPr>
+          <p:cNvSpPr>
+            <a:spLocks noGrp="1"/>
+          </p:cNvSpPr>
+          <p:nvPr>
+            <p:ph type="title"/>
+          </p:nvPr>
+        </p:nvSpPr>
+        <p:spPr/>
+        <p:txBody>
+          <a:bodyPr/>
+          <a:lstStyle/>
+          <a:p>
+            <a:r>
+              <a:rPr lang="en-US" dirty="0" err="1"/>
+              <a:t>Nih</a:t>
+            </a:r>
+            <a:r>
+              <a:rPr lang="en-US" dirty="0"/>
+              <a:t> </a:t>
+            </a:r>
+            <a:r>
+              <a:rPr lang="en-US" dirty="0" err="1"/>
+              <a:t>nrt</a:t>
+            </a:r>
+            <a:r>
+              <a:rPr lang="en-US"/>
+              <a:t> project</a:t>
+            </a:r>
+          </a:p>
+        </p:txBody>
+      </p:sp>
+      <p:sp>
+        <p:nvSpPr>
+          <p:cNvPr id="3" name="Content Placeholder 2">
+            <a:extLst>
+              <a:ext uri="{FF2B5EF4-FFF2-40B4-BE49-F238E27FC236}">
+                <a16:creationId xmlns:a16="http://schemas.microsoft.com/office/drawing/2014/main" id="{E6115FE0-7172-236A-33EB-9E6233F9A7D6}"/>
+              </a:ext>
+            </a:extLst>
+          </p:cNvPr>
+          <p:cNvSpPr>
+            <a:spLocks noGrp="1"/>
+          </p:cNvSpPr>
+          <p:nvPr>
+            <p:ph idx="1"/>
+          </p:nvPr>
+        </p:nvSpPr>
+        <p:spPr/>
+        <p:txBody>
+          <a:bodyPr/>
+          <a:lstStyle/>
+          <a:p>
+            <a:endParaRPr lang="en-US"/>
+          </a:p>
+        </p:txBody>
+      </p:sp>
+    </p:spTree>
+    <p:extLst>
+      <p:ext uri="{BB962C8B-B14F-4D97-AF65-F5344CB8AC3E}">
+        <p14:creationId xmlns:p14="http://schemas.microsoft.com/office/powerpoint/2010/main" val="1868915560"/>
       </p:ext>
     </p:extLst>
   </p:cSld>
@@ -6117,13 +6709,8 @@
                 </a14:m>
                 <a:r>
                   <a:rPr lang="en-US" altLang="zh-CN" sz="2800" dirty="0"/>
-                  <a:t> is likely to </a:t>
+                  <a:t> is likely to be true. </a:t>
                 </a:r>
-                <a:r>
-                  <a:rPr lang="en-US" altLang="zh-CN" sz="2800"/>
-                  <a:t>be true. </a:t>
-                </a:r>
-                <a:endParaRPr lang="en-US" altLang="zh-CN" sz="2800" dirty="0"/>
               </a:p>
               <a:p>
                 <a:endParaRPr lang="en-US" altLang="zh-CN" sz="2800" dirty="0"/>

--- a/_umkc-teaching/slides/Lecture13.pptx
+++ b/_umkc-teaching/slides/Lecture13.pptx
@@ -5,7 +5,7 @@
     <p:sldMasterId id="2147483660" r:id="rId1"/>
   </p:sldMasterIdLst>
   <p:notesMasterIdLst>
-    <p:notesMasterId r:id="rId13"/>
+    <p:notesMasterId r:id="rId23"/>
   </p:notesMasterIdLst>
   <p:sldIdLst>
     <p:sldId id="257" r:id="rId2"/>
@@ -18,7 +18,17 @@
     <p:sldId id="455" r:id="rId9"/>
     <p:sldId id="456" r:id="rId10"/>
     <p:sldId id="457" r:id="rId11"/>
-    <p:sldId id="458" r:id="rId12"/>
+    <p:sldId id="459" r:id="rId12"/>
+    <p:sldId id="458" r:id="rId13"/>
+    <p:sldId id="460" r:id="rId14"/>
+    <p:sldId id="461" r:id="rId15"/>
+    <p:sldId id="462" r:id="rId16"/>
+    <p:sldId id="463" r:id="rId17"/>
+    <p:sldId id="464" r:id="rId18"/>
+    <p:sldId id="465" r:id="rId19"/>
+    <p:sldId id="466" r:id="rId20"/>
+    <p:sldId id="468" r:id="rId21"/>
+    <p:sldId id="467" r:id="rId22"/>
   </p:sldIdLst>
   <p:sldSz cx="12192000" cy="6858000"/>
   <p:notesSz cx="6858000" cy="9144000"/>
@@ -563,6 +573,896 @@
 </p:notes>
 </file>
 
+<file path=ppt/notesSlides/notesSlide10.xml><?xml version="1.0" encoding="utf-8"?>
+<p:notes xmlns:a="http://schemas.openxmlformats.org/drawingml/2006/main" xmlns:r="http://schemas.openxmlformats.org/officeDocument/2006/relationships" xmlns:p="http://schemas.openxmlformats.org/presentationml/2006/main">
+  <p:cSld>
+    <p:spTree>
+      <p:nvGrpSpPr>
+        <p:cNvPr id="1" name=""/>
+        <p:cNvGrpSpPr/>
+        <p:nvPr/>
+      </p:nvGrpSpPr>
+      <p:grpSpPr>
+        <a:xfrm>
+          <a:off x="0" y="0"/>
+          <a:ext cx="0" cy="0"/>
+          <a:chOff x="0" y="0"/>
+          <a:chExt cx="0" cy="0"/>
+        </a:xfrm>
+      </p:grpSpPr>
+      <p:sp>
+        <p:nvSpPr>
+          <p:cNvPr id="2" name="Slide Image Placeholder 1"/>
+          <p:cNvSpPr>
+            <a:spLocks noGrp="1" noRot="1" noChangeAspect="1"/>
+          </p:cNvSpPr>
+          <p:nvPr>
+            <p:ph type="sldImg"/>
+          </p:nvPr>
+        </p:nvSpPr>
+        <p:spPr>
+          <a:xfrm>
+            <a:off x="685800" y="1143000"/>
+            <a:ext cx="5486400" cy="3086100"/>
+          </a:xfrm>
+        </p:spPr>
+      </p:sp>
+      <p:sp>
+        <p:nvSpPr>
+          <p:cNvPr id="3" name="Notes Placeholder 2"/>
+          <p:cNvSpPr>
+            <a:spLocks noGrp="1"/>
+          </p:cNvSpPr>
+          <p:nvPr>
+            <p:ph type="body" idx="1"/>
+          </p:nvPr>
+        </p:nvSpPr>
+        <p:spPr/>
+        <p:txBody>
+          <a:bodyPr/>
+          <a:lstStyle/>
+          <a:p>
+            <a:endParaRPr lang="en-US" dirty="0"/>
+          </a:p>
+        </p:txBody>
+      </p:sp>
+      <p:sp>
+        <p:nvSpPr>
+          <p:cNvPr id="4" name="Slide Number Placeholder 3"/>
+          <p:cNvSpPr>
+            <a:spLocks noGrp="1"/>
+          </p:cNvSpPr>
+          <p:nvPr>
+            <p:ph type="sldNum" sz="quarter" idx="5"/>
+          </p:nvPr>
+        </p:nvSpPr>
+        <p:spPr/>
+        <p:txBody>
+          <a:bodyPr/>
+          <a:lstStyle/>
+          <a:p>
+            <a:fld id="{3F8BDF20-BE86-4883-8A23-4CE3D0058BEA}" type="slidenum">
+              <a:rPr lang="en-US" smtClean="0"/>
+              <a:t>11</a:t>
+            </a:fld>
+            <a:endParaRPr lang="en-US"/>
+          </a:p>
+        </p:txBody>
+      </p:sp>
+    </p:spTree>
+    <p:extLst>
+      <p:ext uri="{BB962C8B-B14F-4D97-AF65-F5344CB8AC3E}">
+        <p14:creationId xmlns:p14="http://schemas.microsoft.com/office/powerpoint/2010/main" val="1591573043"/>
+      </p:ext>
+    </p:extLst>
+  </p:cSld>
+  <p:clrMapOvr>
+    <a:masterClrMapping/>
+  </p:clrMapOvr>
+</p:notes>
+</file>
+
+<file path=ppt/notesSlides/notesSlide11.xml><?xml version="1.0" encoding="utf-8"?>
+<p:notes xmlns:a="http://schemas.openxmlformats.org/drawingml/2006/main" xmlns:r="http://schemas.openxmlformats.org/officeDocument/2006/relationships" xmlns:p="http://schemas.openxmlformats.org/presentationml/2006/main">
+  <p:cSld>
+    <p:spTree>
+      <p:nvGrpSpPr>
+        <p:cNvPr id="1" name=""/>
+        <p:cNvGrpSpPr/>
+        <p:nvPr/>
+      </p:nvGrpSpPr>
+      <p:grpSpPr>
+        <a:xfrm>
+          <a:off x="0" y="0"/>
+          <a:ext cx="0" cy="0"/>
+          <a:chOff x="0" y="0"/>
+          <a:chExt cx="0" cy="0"/>
+        </a:xfrm>
+      </p:grpSpPr>
+      <p:sp>
+        <p:nvSpPr>
+          <p:cNvPr id="2" name="Slide Image Placeholder 1"/>
+          <p:cNvSpPr>
+            <a:spLocks noGrp="1" noRot="1" noChangeAspect="1"/>
+          </p:cNvSpPr>
+          <p:nvPr>
+            <p:ph type="sldImg"/>
+          </p:nvPr>
+        </p:nvSpPr>
+        <p:spPr>
+          <a:xfrm>
+            <a:off x="685800" y="1143000"/>
+            <a:ext cx="5486400" cy="3086100"/>
+          </a:xfrm>
+        </p:spPr>
+      </p:sp>
+      <p:sp>
+        <p:nvSpPr>
+          <p:cNvPr id="3" name="Notes Placeholder 2"/>
+          <p:cNvSpPr>
+            <a:spLocks noGrp="1"/>
+          </p:cNvSpPr>
+          <p:nvPr>
+            <p:ph type="body" idx="1"/>
+          </p:nvPr>
+        </p:nvSpPr>
+        <p:spPr/>
+        <p:txBody>
+          <a:bodyPr/>
+          <a:lstStyle/>
+          <a:p>
+            <a:endParaRPr lang="en-US" dirty="0"/>
+          </a:p>
+        </p:txBody>
+      </p:sp>
+      <p:sp>
+        <p:nvSpPr>
+          <p:cNvPr id="4" name="Slide Number Placeholder 3"/>
+          <p:cNvSpPr>
+            <a:spLocks noGrp="1"/>
+          </p:cNvSpPr>
+          <p:nvPr>
+            <p:ph type="sldNum" sz="quarter" idx="5"/>
+          </p:nvPr>
+        </p:nvSpPr>
+        <p:spPr/>
+        <p:txBody>
+          <a:bodyPr/>
+          <a:lstStyle/>
+          <a:p>
+            <a:fld id="{3F8BDF20-BE86-4883-8A23-4CE3D0058BEA}" type="slidenum">
+              <a:rPr lang="en-US" smtClean="0"/>
+              <a:t>12</a:t>
+            </a:fld>
+            <a:endParaRPr lang="en-US"/>
+          </a:p>
+        </p:txBody>
+      </p:sp>
+    </p:spTree>
+    <p:extLst>
+      <p:ext uri="{BB962C8B-B14F-4D97-AF65-F5344CB8AC3E}">
+        <p14:creationId xmlns:p14="http://schemas.microsoft.com/office/powerpoint/2010/main" val="2832480144"/>
+      </p:ext>
+    </p:extLst>
+  </p:cSld>
+  <p:clrMapOvr>
+    <a:masterClrMapping/>
+  </p:clrMapOvr>
+</p:notes>
+</file>
+
+<file path=ppt/notesSlides/notesSlide12.xml><?xml version="1.0" encoding="utf-8"?>
+<p:notes xmlns:a="http://schemas.openxmlformats.org/drawingml/2006/main" xmlns:r="http://schemas.openxmlformats.org/officeDocument/2006/relationships" xmlns:p="http://schemas.openxmlformats.org/presentationml/2006/main">
+  <p:cSld>
+    <p:spTree>
+      <p:nvGrpSpPr>
+        <p:cNvPr id="1" name=""/>
+        <p:cNvGrpSpPr/>
+        <p:nvPr/>
+      </p:nvGrpSpPr>
+      <p:grpSpPr>
+        <a:xfrm>
+          <a:off x="0" y="0"/>
+          <a:ext cx="0" cy="0"/>
+          <a:chOff x="0" y="0"/>
+          <a:chExt cx="0" cy="0"/>
+        </a:xfrm>
+      </p:grpSpPr>
+      <p:sp>
+        <p:nvSpPr>
+          <p:cNvPr id="2" name="Slide Image Placeholder 1"/>
+          <p:cNvSpPr>
+            <a:spLocks noGrp="1" noRot="1" noChangeAspect="1"/>
+          </p:cNvSpPr>
+          <p:nvPr>
+            <p:ph type="sldImg"/>
+          </p:nvPr>
+        </p:nvSpPr>
+        <p:spPr>
+          <a:xfrm>
+            <a:off x="685800" y="1143000"/>
+            <a:ext cx="5486400" cy="3086100"/>
+          </a:xfrm>
+        </p:spPr>
+      </p:sp>
+      <p:sp>
+        <p:nvSpPr>
+          <p:cNvPr id="3" name="Notes Placeholder 2"/>
+          <p:cNvSpPr>
+            <a:spLocks noGrp="1"/>
+          </p:cNvSpPr>
+          <p:nvPr>
+            <p:ph type="body" idx="1"/>
+          </p:nvPr>
+        </p:nvSpPr>
+        <p:spPr/>
+        <p:txBody>
+          <a:bodyPr/>
+          <a:lstStyle/>
+          <a:p>
+            <a:endParaRPr lang="en-US" dirty="0"/>
+          </a:p>
+        </p:txBody>
+      </p:sp>
+      <p:sp>
+        <p:nvSpPr>
+          <p:cNvPr id="4" name="Slide Number Placeholder 3"/>
+          <p:cNvSpPr>
+            <a:spLocks noGrp="1"/>
+          </p:cNvSpPr>
+          <p:nvPr>
+            <p:ph type="sldNum" sz="quarter" idx="5"/>
+          </p:nvPr>
+        </p:nvSpPr>
+        <p:spPr/>
+        <p:txBody>
+          <a:bodyPr/>
+          <a:lstStyle/>
+          <a:p>
+            <a:fld id="{3F8BDF20-BE86-4883-8A23-4CE3D0058BEA}" type="slidenum">
+              <a:rPr lang="en-US" smtClean="0"/>
+              <a:t>13</a:t>
+            </a:fld>
+            <a:endParaRPr lang="en-US"/>
+          </a:p>
+        </p:txBody>
+      </p:sp>
+    </p:spTree>
+    <p:extLst>
+      <p:ext uri="{BB962C8B-B14F-4D97-AF65-F5344CB8AC3E}">
+        <p14:creationId xmlns:p14="http://schemas.microsoft.com/office/powerpoint/2010/main" val="631305881"/>
+      </p:ext>
+    </p:extLst>
+  </p:cSld>
+  <p:clrMapOvr>
+    <a:masterClrMapping/>
+  </p:clrMapOvr>
+</p:notes>
+</file>
+
+<file path=ppt/notesSlides/notesSlide13.xml><?xml version="1.0" encoding="utf-8"?>
+<p:notes xmlns:a="http://schemas.openxmlformats.org/drawingml/2006/main" xmlns:r="http://schemas.openxmlformats.org/officeDocument/2006/relationships" xmlns:p="http://schemas.openxmlformats.org/presentationml/2006/main">
+  <p:cSld>
+    <p:spTree>
+      <p:nvGrpSpPr>
+        <p:cNvPr id="1" name=""/>
+        <p:cNvGrpSpPr/>
+        <p:nvPr/>
+      </p:nvGrpSpPr>
+      <p:grpSpPr>
+        <a:xfrm>
+          <a:off x="0" y="0"/>
+          <a:ext cx="0" cy="0"/>
+          <a:chOff x="0" y="0"/>
+          <a:chExt cx="0" cy="0"/>
+        </a:xfrm>
+      </p:grpSpPr>
+      <p:sp>
+        <p:nvSpPr>
+          <p:cNvPr id="2" name="Slide Image Placeholder 1"/>
+          <p:cNvSpPr>
+            <a:spLocks noGrp="1" noRot="1" noChangeAspect="1"/>
+          </p:cNvSpPr>
+          <p:nvPr>
+            <p:ph type="sldImg"/>
+          </p:nvPr>
+        </p:nvSpPr>
+        <p:spPr>
+          <a:xfrm>
+            <a:off x="685800" y="1143000"/>
+            <a:ext cx="5486400" cy="3086100"/>
+          </a:xfrm>
+        </p:spPr>
+      </p:sp>
+      <p:sp>
+        <p:nvSpPr>
+          <p:cNvPr id="3" name="Notes Placeholder 2"/>
+          <p:cNvSpPr>
+            <a:spLocks noGrp="1"/>
+          </p:cNvSpPr>
+          <p:nvPr>
+            <p:ph type="body" idx="1"/>
+          </p:nvPr>
+        </p:nvSpPr>
+        <p:spPr/>
+        <p:txBody>
+          <a:bodyPr/>
+          <a:lstStyle/>
+          <a:p>
+            <a:endParaRPr lang="en-US" dirty="0"/>
+          </a:p>
+        </p:txBody>
+      </p:sp>
+      <p:sp>
+        <p:nvSpPr>
+          <p:cNvPr id="4" name="Slide Number Placeholder 3"/>
+          <p:cNvSpPr>
+            <a:spLocks noGrp="1"/>
+          </p:cNvSpPr>
+          <p:nvPr>
+            <p:ph type="sldNum" sz="quarter" idx="5"/>
+          </p:nvPr>
+        </p:nvSpPr>
+        <p:spPr/>
+        <p:txBody>
+          <a:bodyPr/>
+          <a:lstStyle/>
+          <a:p>
+            <a:fld id="{3F8BDF20-BE86-4883-8A23-4CE3D0058BEA}" type="slidenum">
+              <a:rPr lang="en-US" smtClean="0"/>
+              <a:t>14</a:t>
+            </a:fld>
+            <a:endParaRPr lang="en-US"/>
+          </a:p>
+        </p:txBody>
+      </p:sp>
+    </p:spTree>
+    <p:extLst>
+      <p:ext uri="{BB962C8B-B14F-4D97-AF65-F5344CB8AC3E}">
+        <p14:creationId xmlns:p14="http://schemas.microsoft.com/office/powerpoint/2010/main" val="4187694007"/>
+      </p:ext>
+    </p:extLst>
+  </p:cSld>
+  <p:clrMapOvr>
+    <a:masterClrMapping/>
+  </p:clrMapOvr>
+</p:notes>
+</file>
+
+<file path=ppt/notesSlides/notesSlide14.xml><?xml version="1.0" encoding="utf-8"?>
+<p:notes xmlns:a="http://schemas.openxmlformats.org/drawingml/2006/main" xmlns:r="http://schemas.openxmlformats.org/officeDocument/2006/relationships" xmlns:p="http://schemas.openxmlformats.org/presentationml/2006/main">
+  <p:cSld>
+    <p:spTree>
+      <p:nvGrpSpPr>
+        <p:cNvPr id="1" name=""/>
+        <p:cNvGrpSpPr/>
+        <p:nvPr/>
+      </p:nvGrpSpPr>
+      <p:grpSpPr>
+        <a:xfrm>
+          <a:off x="0" y="0"/>
+          <a:ext cx="0" cy="0"/>
+          <a:chOff x="0" y="0"/>
+          <a:chExt cx="0" cy="0"/>
+        </a:xfrm>
+      </p:grpSpPr>
+      <p:sp>
+        <p:nvSpPr>
+          <p:cNvPr id="2" name="Slide Image Placeholder 1"/>
+          <p:cNvSpPr>
+            <a:spLocks noGrp="1" noRot="1" noChangeAspect="1"/>
+          </p:cNvSpPr>
+          <p:nvPr>
+            <p:ph type="sldImg"/>
+          </p:nvPr>
+        </p:nvSpPr>
+        <p:spPr>
+          <a:xfrm>
+            <a:off x="685800" y="1143000"/>
+            <a:ext cx="5486400" cy="3086100"/>
+          </a:xfrm>
+        </p:spPr>
+      </p:sp>
+      <p:sp>
+        <p:nvSpPr>
+          <p:cNvPr id="3" name="Notes Placeholder 2"/>
+          <p:cNvSpPr>
+            <a:spLocks noGrp="1"/>
+          </p:cNvSpPr>
+          <p:nvPr>
+            <p:ph type="body" idx="1"/>
+          </p:nvPr>
+        </p:nvSpPr>
+        <p:spPr/>
+        <p:txBody>
+          <a:bodyPr/>
+          <a:lstStyle/>
+          <a:p>
+            <a:endParaRPr lang="en-US" dirty="0"/>
+          </a:p>
+        </p:txBody>
+      </p:sp>
+      <p:sp>
+        <p:nvSpPr>
+          <p:cNvPr id="4" name="Slide Number Placeholder 3"/>
+          <p:cNvSpPr>
+            <a:spLocks noGrp="1"/>
+          </p:cNvSpPr>
+          <p:nvPr>
+            <p:ph type="sldNum" sz="quarter" idx="5"/>
+          </p:nvPr>
+        </p:nvSpPr>
+        <p:spPr/>
+        <p:txBody>
+          <a:bodyPr/>
+          <a:lstStyle/>
+          <a:p>
+            <a:fld id="{3F8BDF20-BE86-4883-8A23-4CE3D0058BEA}" type="slidenum">
+              <a:rPr lang="en-US" smtClean="0"/>
+              <a:t>15</a:t>
+            </a:fld>
+            <a:endParaRPr lang="en-US"/>
+          </a:p>
+        </p:txBody>
+      </p:sp>
+    </p:spTree>
+    <p:extLst>
+      <p:ext uri="{BB962C8B-B14F-4D97-AF65-F5344CB8AC3E}">
+        <p14:creationId xmlns:p14="http://schemas.microsoft.com/office/powerpoint/2010/main" val="3039423660"/>
+      </p:ext>
+    </p:extLst>
+  </p:cSld>
+  <p:clrMapOvr>
+    <a:masterClrMapping/>
+  </p:clrMapOvr>
+</p:notes>
+</file>
+
+<file path=ppt/notesSlides/notesSlide15.xml><?xml version="1.0" encoding="utf-8"?>
+<p:notes xmlns:a="http://schemas.openxmlformats.org/drawingml/2006/main" xmlns:r="http://schemas.openxmlformats.org/officeDocument/2006/relationships" xmlns:p="http://schemas.openxmlformats.org/presentationml/2006/main">
+  <p:cSld>
+    <p:spTree>
+      <p:nvGrpSpPr>
+        <p:cNvPr id="1" name=""/>
+        <p:cNvGrpSpPr/>
+        <p:nvPr/>
+      </p:nvGrpSpPr>
+      <p:grpSpPr>
+        <a:xfrm>
+          <a:off x="0" y="0"/>
+          <a:ext cx="0" cy="0"/>
+          <a:chOff x="0" y="0"/>
+          <a:chExt cx="0" cy="0"/>
+        </a:xfrm>
+      </p:grpSpPr>
+      <p:sp>
+        <p:nvSpPr>
+          <p:cNvPr id="2" name="Slide Image Placeholder 1"/>
+          <p:cNvSpPr>
+            <a:spLocks noGrp="1" noRot="1" noChangeAspect="1"/>
+          </p:cNvSpPr>
+          <p:nvPr>
+            <p:ph type="sldImg"/>
+          </p:nvPr>
+        </p:nvSpPr>
+        <p:spPr>
+          <a:xfrm>
+            <a:off x="685800" y="1143000"/>
+            <a:ext cx="5486400" cy="3086100"/>
+          </a:xfrm>
+        </p:spPr>
+      </p:sp>
+      <p:sp>
+        <p:nvSpPr>
+          <p:cNvPr id="3" name="Notes Placeholder 2"/>
+          <p:cNvSpPr>
+            <a:spLocks noGrp="1"/>
+          </p:cNvSpPr>
+          <p:nvPr>
+            <p:ph type="body" idx="1"/>
+          </p:nvPr>
+        </p:nvSpPr>
+        <p:spPr/>
+        <p:txBody>
+          <a:bodyPr/>
+          <a:lstStyle/>
+          <a:p>
+            <a:endParaRPr lang="en-US" dirty="0"/>
+          </a:p>
+        </p:txBody>
+      </p:sp>
+      <p:sp>
+        <p:nvSpPr>
+          <p:cNvPr id="4" name="Slide Number Placeholder 3"/>
+          <p:cNvSpPr>
+            <a:spLocks noGrp="1"/>
+          </p:cNvSpPr>
+          <p:nvPr>
+            <p:ph type="sldNum" sz="quarter" idx="5"/>
+          </p:nvPr>
+        </p:nvSpPr>
+        <p:spPr/>
+        <p:txBody>
+          <a:bodyPr/>
+          <a:lstStyle/>
+          <a:p>
+            <a:fld id="{3F8BDF20-BE86-4883-8A23-4CE3D0058BEA}" type="slidenum">
+              <a:rPr lang="en-US" smtClean="0"/>
+              <a:t>16</a:t>
+            </a:fld>
+            <a:endParaRPr lang="en-US"/>
+          </a:p>
+        </p:txBody>
+      </p:sp>
+    </p:spTree>
+    <p:extLst>
+      <p:ext uri="{BB962C8B-B14F-4D97-AF65-F5344CB8AC3E}">
+        <p14:creationId xmlns:p14="http://schemas.microsoft.com/office/powerpoint/2010/main" val="741679752"/>
+      </p:ext>
+    </p:extLst>
+  </p:cSld>
+  <p:clrMapOvr>
+    <a:masterClrMapping/>
+  </p:clrMapOvr>
+</p:notes>
+</file>
+
+<file path=ppt/notesSlides/notesSlide16.xml><?xml version="1.0" encoding="utf-8"?>
+<p:notes xmlns:a="http://schemas.openxmlformats.org/drawingml/2006/main" xmlns:r="http://schemas.openxmlformats.org/officeDocument/2006/relationships" xmlns:p="http://schemas.openxmlformats.org/presentationml/2006/main">
+  <p:cSld>
+    <p:spTree>
+      <p:nvGrpSpPr>
+        <p:cNvPr id="1" name=""/>
+        <p:cNvGrpSpPr/>
+        <p:nvPr/>
+      </p:nvGrpSpPr>
+      <p:grpSpPr>
+        <a:xfrm>
+          <a:off x="0" y="0"/>
+          <a:ext cx="0" cy="0"/>
+          <a:chOff x="0" y="0"/>
+          <a:chExt cx="0" cy="0"/>
+        </a:xfrm>
+      </p:grpSpPr>
+      <p:sp>
+        <p:nvSpPr>
+          <p:cNvPr id="2" name="Slide Image Placeholder 1"/>
+          <p:cNvSpPr>
+            <a:spLocks noGrp="1" noRot="1" noChangeAspect="1"/>
+          </p:cNvSpPr>
+          <p:nvPr>
+            <p:ph type="sldImg"/>
+          </p:nvPr>
+        </p:nvSpPr>
+        <p:spPr>
+          <a:xfrm>
+            <a:off x="685800" y="1143000"/>
+            <a:ext cx="5486400" cy="3086100"/>
+          </a:xfrm>
+        </p:spPr>
+      </p:sp>
+      <p:sp>
+        <p:nvSpPr>
+          <p:cNvPr id="3" name="Notes Placeholder 2"/>
+          <p:cNvSpPr>
+            <a:spLocks noGrp="1"/>
+          </p:cNvSpPr>
+          <p:nvPr>
+            <p:ph type="body" idx="1"/>
+          </p:nvPr>
+        </p:nvSpPr>
+        <p:spPr/>
+        <p:txBody>
+          <a:bodyPr/>
+          <a:lstStyle/>
+          <a:p>
+            <a:endParaRPr lang="en-US" dirty="0"/>
+          </a:p>
+        </p:txBody>
+      </p:sp>
+      <p:sp>
+        <p:nvSpPr>
+          <p:cNvPr id="4" name="Slide Number Placeholder 3"/>
+          <p:cNvSpPr>
+            <a:spLocks noGrp="1"/>
+          </p:cNvSpPr>
+          <p:nvPr>
+            <p:ph type="sldNum" sz="quarter" idx="5"/>
+          </p:nvPr>
+        </p:nvSpPr>
+        <p:spPr/>
+        <p:txBody>
+          <a:bodyPr/>
+          <a:lstStyle/>
+          <a:p>
+            <a:fld id="{3F8BDF20-BE86-4883-8A23-4CE3D0058BEA}" type="slidenum">
+              <a:rPr lang="en-US" smtClean="0"/>
+              <a:t>17</a:t>
+            </a:fld>
+            <a:endParaRPr lang="en-US"/>
+          </a:p>
+        </p:txBody>
+      </p:sp>
+    </p:spTree>
+    <p:extLst>
+      <p:ext uri="{BB962C8B-B14F-4D97-AF65-F5344CB8AC3E}">
+        <p14:creationId xmlns:p14="http://schemas.microsoft.com/office/powerpoint/2010/main" val="1122150734"/>
+      </p:ext>
+    </p:extLst>
+  </p:cSld>
+  <p:clrMapOvr>
+    <a:masterClrMapping/>
+  </p:clrMapOvr>
+</p:notes>
+</file>
+
+<file path=ppt/notesSlides/notesSlide17.xml><?xml version="1.0" encoding="utf-8"?>
+<p:notes xmlns:a="http://schemas.openxmlformats.org/drawingml/2006/main" xmlns:r="http://schemas.openxmlformats.org/officeDocument/2006/relationships" xmlns:p="http://schemas.openxmlformats.org/presentationml/2006/main">
+  <p:cSld>
+    <p:spTree>
+      <p:nvGrpSpPr>
+        <p:cNvPr id="1" name=""/>
+        <p:cNvGrpSpPr/>
+        <p:nvPr/>
+      </p:nvGrpSpPr>
+      <p:grpSpPr>
+        <a:xfrm>
+          <a:off x="0" y="0"/>
+          <a:ext cx="0" cy="0"/>
+          <a:chOff x="0" y="0"/>
+          <a:chExt cx="0" cy="0"/>
+        </a:xfrm>
+      </p:grpSpPr>
+      <p:sp>
+        <p:nvSpPr>
+          <p:cNvPr id="2" name="Slide Image Placeholder 1"/>
+          <p:cNvSpPr>
+            <a:spLocks noGrp="1" noRot="1" noChangeAspect="1"/>
+          </p:cNvSpPr>
+          <p:nvPr>
+            <p:ph type="sldImg"/>
+          </p:nvPr>
+        </p:nvSpPr>
+        <p:spPr>
+          <a:xfrm>
+            <a:off x="685800" y="1143000"/>
+            <a:ext cx="5486400" cy="3086100"/>
+          </a:xfrm>
+        </p:spPr>
+      </p:sp>
+      <p:sp>
+        <p:nvSpPr>
+          <p:cNvPr id="3" name="Notes Placeholder 2"/>
+          <p:cNvSpPr>
+            <a:spLocks noGrp="1"/>
+          </p:cNvSpPr>
+          <p:nvPr>
+            <p:ph type="body" idx="1"/>
+          </p:nvPr>
+        </p:nvSpPr>
+        <p:spPr/>
+        <p:txBody>
+          <a:bodyPr/>
+          <a:lstStyle/>
+          <a:p>
+            <a:endParaRPr lang="en-US" dirty="0"/>
+          </a:p>
+        </p:txBody>
+      </p:sp>
+      <p:sp>
+        <p:nvSpPr>
+          <p:cNvPr id="4" name="Slide Number Placeholder 3"/>
+          <p:cNvSpPr>
+            <a:spLocks noGrp="1"/>
+          </p:cNvSpPr>
+          <p:nvPr>
+            <p:ph type="sldNum" sz="quarter" idx="5"/>
+          </p:nvPr>
+        </p:nvSpPr>
+        <p:spPr/>
+        <p:txBody>
+          <a:bodyPr/>
+          <a:lstStyle/>
+          <a:p>
+            <a:fld id="{3F8BDF20-BE86-4883-8A23-4CE3D0058BEA}" type="slidenum">
+              <a:rPr lang="en-US" smtClean="0"/>
+              <a:t>18</a:t>
+            </a:fld>
+            <a:endParaRPr lang="en-US"/>
+          </a:p>
+        </p:txBody>
+      </p:sp>
+    </p:spTree>
+    <p:extLst>
+      <p:ext uri="{BB962C8B-B14F-4D97-AF65-F5344CB8AC3E}">
+        <p14:creationId xmlns:p14="http://schemas.microsoft.com/office/powerpoint/2010/main" val="4208030990"/>
+      </p:ext>
+    </p:extLst>
+  </p:cSld>
+  <p:clrMapOvr>
+    <a:masterClrMapping/>
+  </p:clrMapOvr>
+</p:notes>
+</file>
+
+<file path=ppt/notesSlides/notesSlide18.xml><?xml version="1.0" encoding="utf-8"?>
+<p:notes xmlns:a="http://schemas.openxmlformats.org/drawingml/2006/main" xmlns:r="http://schemas.openxmlformats.org/officeDocument/2006/relationships" xmlns:p="http://schemas.openxmlformats.org/presentationml/2006/main">
+  <p:cSld>
+    <p:spTree>
+      <p:nvGrpSpPr>
+        <p:cNvPr id="1" name=""/>
+        <p:cNvGrpSpPr/>
+        <p:nvPr/>
+      </p:nvGrpSpPr>
+      <p:grpSpPr>
+        <a:xfrm>
+          <a:off x="0" y="0"/>
+          <a:ext cx="0" cy="0"/>
+          <a:chOff x="0" y="0"/>
+          <a:chExt cx="0" cy="0"/>
+        </a:xfrm>
+      </p:grpSpPr>
+      <p:sp>
+        <p:nvSpPr>
+          <p:cNvPr id="2" name="Slide Image Placeholder 1"/>
+          <p:cNvSpPr>
+            <a:spLocks noGrp="1" noRot="1" noChangeAspect="1"/>
+          </p:cNvSpPr>
+          <p:nvPr>
+            <p:ph type="sldImg"/>
+          </p:nvPr>
+        </p:nvSpPr>
+        <p:spPr>
+          <a:xfrm>
+            <a:off x="685800" y="1143000"/>
+            <a:ext cx="5486400" cy="3086100"/>
+          </a:xfrm>
+        </p:spPr>
+      </p:sp>
+      <p:sp>
+        <p:nvSpPr>
+          <p:cNvPr id="3" name="Notes Placeholder 2"/>
+          <p:cNvSpPr>
+            <a:spLocks noGrp="1"/>
+          </p:cNvSpPr>
+          <p:nvPr>
+            <p:ph type="body" idx="1"/>
+          </p:nvPr>
+        </p:nvSpPr>
+        <p:spPr/>
+        <p:txBody>
+          <a:bodyPr/>
+          <a:lstStyle/>
+          <a:p>
+            <a:endParaRPr lang="en-US" dirty="0"/>
+          </a:p>
+        </p:txBody>
+      </p:sp>
+      <p:sp>
+        <p:nvSpPr>
+          <p:cNvPr id="4" name="Slide Number Placeholder 3"/>
+          <p:cNvSpPr>
+            <a:spLocks noGrp="1"/>
+          </p:cNvSpPr>
+          <p:nvPr>
+            <p:ph type="sldNum" sz="quarter" idx="5"/>
+          </p:nvPr>
+        </p:nvSpPr>
+        <p:spPr/>
+        <p:txBody>
+          <a:bodyPr/>
+          <a:lstStyle/>
+          <a:p>
+            <a:fld id="{3F8BDF20-BE86-4883-8A23-4CE3D0058BEA}" type="slidenum">
+              <a:rPr lang="en-US" smtClean="0"/>
+              <a:t>19</a:t>
+            </a:fld>
+            <a:endParaRPr lang="en-US"/>
+          </a:p>
+        </p:txBody>
+      </p:sp>
+    </p:spTree>
+    <p:extLst>
+      <p:ext uri="{BB962C8B-B14F-4D97-AF65-F5344CB8AC3E}">
+        <p14:creationId xmlns:p14="http://schemas.microsoft.com/office/powerpoint/2010/main" val="761272523"/>
+      </p:ext>
+    </p:extLst>
+  </p:cSld>
+  <p:clrMapOvr>
+    <a:masterClrMapping/>
+  </p:clrMapOvr>
+</p:notes>
+</file>
+
+<file path=ppt/notesSlides/notesSlide19.xml><?xml version="1.0" encoding="utf-8"?>
+<p:notes xmlns:a="http://schemas.openxmlformats.org/drawingml/2006/main" xmlns:r="http://schemas.openxmlformats.org/officeDocument/2006/relationships" xmlns:p="http://schemas.openxmlformats.org/presentationml/2006/main">
+  <p:cSld>
+    <p:spTree>
+      <p:nvGrpSpPr>
+        <p:cNvPr id="1" name=""/>
+        <p:cNvGrpSpPr/>
+        <p:nvPr/>
+      </p:nvGrpSpPr>
+      <p:grpSpPr>
+        <a:xfrm>
+          <a:off x="0" y="0"/>
+          <a:ext cx="0" cy="0"/>
+          <a:chOff x="0" y="0"/>
+          <a:chExt cx="0" cy="0"/>
+        </a:xfrm>
+      </p:grpSpPr>
+      <p:sp>
+        <p:nvSpPr>
+          <p:cNvPr id="2" name="Slide Image Placeholder 1"/>
+          <p:cNvSpPr>
+            <a:spLocks noGrp="1" noRot="1" noChangeAspect="1"/>
+          </p:cNvSpPr>
+          <p:nvPr>
+            <p:ph type="sldImg"/>
+          </p:nvPr>
+        </p:nvSpPr>
+        <p:spPr>
+          <a:xfrm>
+            <a:off x="685800" y="1143000"/>
+            <a:ext cx="5486400" cy="3086100"/>
+          </a:xfrm>
+        </p:spPr>
+      </p:sp>
+      <p:sp>
+        <p:nvSpPr>
+          <p:cNvPr id="3" name="Notes Placeholder 2"/>
+          <p:cNvSpPr>
+            <a:spLocks noGrp="1"/>
+          </p:cNvSpPr>
+          <p:nvPr>
+            <p:ph type="body" idx="1"/>
+          </p:nvPr>
+        </p:nvSpPr>
+        <p:spPr/>
+        <p:txBody>
+          <a:bodyPr/>
+          <a:lstStyle/>
+          <a:p>
+            <a:endParaRPr lang="en-US" dirty="0"/>
+          </a:p>
+        </p:txBody>
+      </p:sp>
+      <p:sp>
+        <p:nvSpPr>
+          <p:cNvPr id="4" name="Slide Number Placeholder 3"/>
+          <p:cNvSpPr>
+            <a:spLocks noGrp="1"/>
+          </p:cNvSpPr>
+          <p:nvPr>
+            <p:ph type="sldNum" sz="quarter" idx="5"/>
+          </p:nvPr>
+        </p:nvSpPr>
+        <p:spPr/>
+        <p:txBody>
+          <a:bodyPr/>
+          <a:lstStyle/>
+          <a:p>
+            <a:fld id="{3F8BDF20-BE86-4883-8A23-4CE3D0058BEA}" type="slidenum">
+              <a:rPr lang="en-US" smtClean="0"/>
+              <a:t>20</a:t>
+            </a:fld>
+            <a:endParaRPr lang="en-US"/>
+          </a:p>
+        </p:txBody>
+      </p:sp>
+    </p:spTree>
+    <p:extLst>
+      <p:ext uri="{BB962C8B-B14F-4D97-AF65-F5344CB8AC3E}">
+        <p14:creationId xmlns:p14="http://schemas.microsoft.com/office/powerpoint/2010/main" val="4155757846"/>
+      </p:ext>
+    </p:extLst>
+  </p:cSld>
+  <p:clrMapOvr>
+    <a:masterClrMapping/>
+  </p:clrMapOvr>
+</p:notes>
+</file>
+
 <file path=ppt/notesSlides/notesSlide2.xml><?xml version="1.0" encoding="utf-8"?>
 <p:notes xmlns:a="http://schemas.openxmlformats.org/drawingml/2006/main" xmlns:r="http://schemas.openxmlformats.org/officeDocument/2006/relationships" xmlns:p="http://schemas.openxmlformats.org/presentationml/2006/main">
   <p:cSld>
@@ -643,6 +1543,95 @@
     <p:extLst>
       <p:ext uri="{BB962C8B-B14F-4D97-AF65-F5344CB8AC3E}">
         <p14:creationId xmlns:p14="http://schemas.microsoft.com/office/powerpoint/2010/main" val="1707662484"/>
+      </p:ext>
+    </p:extLst>
+  </p:cSld>
+  <p:clrMapOvr>
+    <a:masterClrMapping/>
+  </p:clrMapOvr>
+</p:notes>
+</file>
+
+<file path=ppt/notesSlides/notesSlide20.xml><?xml version="1.0" encoding="utf-8"?>
+<p:notes xmlns:a="http://schemas.openxmlformats.org/drawingml/2006/main" xmlns:r="http://schemas.openxmlformats.org/officeDocument/2006/relationships" xmlns:p="http://schemas.openxmlformats.org/presentationml/2006/main">
+  <p:cSld>
+    <p:spTree>
+      <p:nvGrpSpPr>
+        <p:cNvPr id="1" name=""/>
+        <p:cNvGrpSpPr/>
+        <p:nvPr/>
+      </p:nvGrpSpPr>
+      <p:grpSpPr>
+        <a:xfrm>
+          <a:off x="0" y="0"/>
+          <a:ext cx="0" cy="0"/>
+          <a:chOff x="0" y="0"/>
+          <a:chExt cx="0" cy="0"/>
+        </a:xfrm>
+      </p:grpSpPr>
+      <p:sp>
+        <p:nvSpPr>
+          <p:cNvPr id="2" name="Slide Image Placeholder 1"/>
+          <p:cNvSpPr>
+            <a:spLocks noGrp="1" noRot="1" noChangeAspect="1"/>
+          </p:cNvSpPr>
+          <p:nvPr>
+            <p:ph type="sldImg"/>
+          </p:nvPr>
+        </p:nvSpPr>
+        <p:spPr>
+          <a:xfrm>
+            <a:off x="685800" y="1143000"/>
+            <a:ext cx="5486400" cy="3086100"/>
+          </a:xfrm>
+        </p:spPr>
+      </p:sp>
+      <p:sp>
+        <p:nvSpPr>
+          <p:cNvPr id="3" name="Notes Placeholder 2"/>
+          <p:cNvSpPr>
+            <a:spLocks noGrp="1"/>
+          </p:cNvSpPr>
+          <p:nvPr>
+            <p:ph type="body" idx="1"/>
+          </p:nvPr>
+        </p:nvSpPr>
+        <p:spPr/>
+        <p:txBody>
+          <a:bodyPr/>
+          <a:lstStyle/>
+          <a:p>
+            <a:endParaRPr lang="en-US" dirty="0"/>
+          </a:p>
+        </p:txBody>
+      </p:sp>
+      <p:sp>
+        <p:nvSpPr>
+          <p:cNvPr id="4" name="Slide Number Placeholder 3"/>
+          <p:cNvSpPr>
+            <a:spLocks noGrp="1"/>
+          </p:cNvSpPr>
+          <p:nvPr>
+            <p:ph type="sldNum" sz="quarter" idx="5"/>
+          </p:nvPr>
+        </p:nvSpPr>
+        <p:spPr/>
+        <p:txBody>
+          <a:bodyPr/>
+          <a:lstStyle/>
+          <a:p>
+            <a:fld id="{3F8BDF20-BE86-4883-8A23-4CE3D0058BEA}" type="slidenum">
+              <a:rPr lang="en-US" smtClean="0"/>
+              <a:t>21</a:t>
+            </a:fld>
+            <a:endParaRPr lang="en-US"/>
+          </a:p>
+        </p:txBody>
+      </p:sp>
+    </p:spTree>
+    <p:extLst>
+      <p:ext uri="{BB962C8B-B14F-4D97-AF65-F5344CB8AC3E}">
+        <p14:creationId xmlns:p14="http://schemas.microsoft.com/office/powerpoint/2010/main" val="2868337312"/>
       </p:ext>
     </p:extLst>
   </p:cSld>
@@ -4405,47 +5394,241 @@
           <a:chExt cx="0" cy="0"/>
         </a:xfrm>
       </p:grpSpPr>
+      <p:sp>
+        <p:nvSpPr>
+          <p:cNvPr id="2" name="Title 1"/>
+          <p:cNvSpPr>
+            <a:spLocks noGrp="1"/>
+          </p:cNvSpPr>
+          <p:nvPr>
+            <p:ph type="title"/>
+          </p:nvPr>
+        </p:nvSpPr>
+        <p:spPr>
+          <a:xfrm>
+            <a:off x="838200" y="365126"/>
+            <a:ext cx="10515600" cy="981894"/>
+          </a:xfrm>
+        </p:spPr>
+        <p:txBody>
+          <a:bodyPr>
+            <a:normAutofit/>
+          </a:bodyPr>
+          <a:lstStyle/>
+          <a:p>
+            <a:r>
+              <a:rPr lang="en-US" dirty="0"/>
+              <a:t>Type I Error and Type II Error</a:t>
+            </a:r>
+          </a:p>
+        </p:txBody>
+      </p:sp>
+      <p:pic>
+        <p:nvPicPr>
+          <p:cNvPr id="4" name="Picture 3">
+            <a:extLst>
+              <a:ext uri="{FF2B5EF4-FFF2-40B4-BE49-F238E27FC236}">
+                <a16:creationId xmlns:a16="http://schemas.microsoft.com/office/drawing/2014/main" id="{EB536DA6-B12C-4653-21CA-C03D1A5B83C3}"/>
+              </a:ext>
+            </a:extLst>
+          </p:cNvPr>
+          <p:cNvPicPr>
+            <a:picLocks noChangeAspect="1"/>
+          </p:cNvPicPr>
+          <p:nvPr/>
+        </p:nvPicPr>
+        <p:blipFill>
+          <a:blip r:embed="rId3"/>
+          <a:stretch>
+            <a:fillRect/>
+          </a:stretch>
+        </p:blipFill>
+        <p:spPr>
+          <a:xfrm>
+            <a:off x="838200" y="2225989"/>
+            <a:ext cx="10641084" cy="2031547"/>
+          </a:xfrm>
+          <a:prstGeom prst="rect">
+            <a:avLst/>
+          </a:prstGeom>
+        </p:spPr>
+      </p:pic>
+    </p:spTree>
+    <p:extLst>
+      <p:ext uri="{BB962C8B-B14F-4D97-AF65-F5344CB8AC3E}">
+        <p14:creationId xmlns:p14="http://schemas.microsoft.com/office/powerpoint/2010/main" val="3838707028"/>
+      </p:ext>
+    </p:extLst>
+  </p:cSld>
+  <p:clrMapOvr>
+    <a:masterClrMapping/>
+  </p:clrMapOvr>
+</p:sld>
+</file>
+
+<file path=ppt/slides/slide11.xml><?xml version="1.0" encoding="utf-8"?>
+<p:sld xmlns:a="http://schemas.openxmlformats.org/drawingml/2006/main" xmlns:r="http://schemas.openxmlformats.org/officeDocument/2006/relationships" xmlns:p="http://schemas.openxmlformats.org/presentationml/2006/main">
+  <p:cSld>
+    <p:spTree>
+      <p:nvGrpSpPr>
+        <p:cNvPr id="1" name=""/>
+        <p:cNvGrpSpPr/>
+        <p:nvPr/>
+      </p:nvGrpSpPr>
+      <p:grpSpPr>
+        <a:xfrm>
+          <a:off x="0" y="0"/>
+          <a:ext cx="0" cy="0"/>
+          <a:chOff x="0" y="0"/>
+          <a:chExt cx="0" cy="0"/>
+        </a:xfrm>
+      </p:grpSpPr>
+      <p:sp>
+        <p:nvSpPr>
+          <p:cNvPr id="2" name="Title 1"/>
+          <p:cNvSpPr>
+            <a:spLocks noGrp="1"/>
+          </p:cNvSpPr>
+          <p:nvPr>
+            <p:ph type="title"/>
+          </p:nvPr>
+        </p:nvSpPr>
+        <p:spPr>
+          <a:xfrm>
+            <a:off x="838200" y="365126"/>
+            <a:ext cx="10515600" cy="981894"/>
+          </a:xfrm>
+        </p:spPr>
+        <p:txBody>
+          <a:bodyPr>
+            <a:normAutofit/>
+          </a:bodyPr>
+          <a:lstStyle/>
+          <a:p>
+            <a:r>
+              <a:rPr lang="en-US" dirty="0"/>
+              <a:t>Type I Error Rate</a:t>
+            </a:r>
+          </a:p>
+        </p:txBody>
+      </p:sp>
+      <p:sp>
+        <p:nvSpPr>
+          <p:cNvPr id="3" name="TextBox 2">
+            <a:extLst>
+              <a:ext uri="{FF2B5EF4-FFF2-40B4-BE49-F238E27FC236}">
+                <a16:creationId xmlns:a16="http://schemas.microsoft.com/office/drawing/2014/main" id="{3A53CC1C-9DF6-9B92-4350-0548215AB4B1}"/>
+              </a:ext>
+            </a:extLst>
+          </p:cNvPr>
+          <p:cNvSpPr txBox="1"/>
+          <p:nvPr/>
+        </p:nvSpPr>
+        <p:spPr>
+          <a:xfrm>
+            <a:off x="838200" y="1733985"/>
+            <a:ext cx="9727558" cy="523220"/>
+          </a:xfrm>
+          <a:prstGeom prst="rect">
+            <a:avLst/>
+          </a:prstGeom>
+          <a:noFill/>
+        </p:spPr>
+        <p:txBody>
+          <a:bodyPr wrap="square">
+            <a:spAutoFit/>
+          </a:bodyPr>
+          <a:lstStyle/>
+          <a:p>
+            <a:r>
+              <a:rPr lang="en-US" altLang="zh-CN" sz="2800" dirty="0"/>
+              <a:t>The Type I error rate is the probability of making a Type I error. </a:t>
+            </a:r>
+          </a:p>
+        </p:txBody>
+      </p:sp>
+      <p:sp>
+        <p:nvSpPr>
+          <p:cNvPr id="5" name="TextBox 4">
+            <a:extLst>
+              <a:ext uri="{FF2B5EF4-FFF2-40B4-BE49-F238E27FC236}">
+                <a16:creationId xmlns:a16="http://schemas.microsoft.com/office/drawing/2014/main" id="{C516DEE0-41DC-13F6-86C0-23D7E98D937F}"/>
+              </a:ext>
+            </a:extLst>
+          </p:cNvPr>
+          <p:cNvSpPr txBox="1"/>
+          <p:nvPr/>
+        </p:nvSpPr>
+        <p:spPr>
+          <a:xfrm>
+            <a:off x="838200" y="2739127"/>
+            <a:ext cx="9727558" cy="523220"/>
+          </a:xfrm>
+          <a:prstGeom prst="rect">
+            <a:avLst/>
+          </a:prstGeom>
+          <a:noFill/>
+        </p:spPr>
+        <p:txBody>
+          <a:bodyPr wrap="square">
+            <a:spAutoFit/>
+          </a:bodyPr>
+          <a:lstStyle/>
+          <a:p>
+            <a:r>
+              <a:rPr lang="en-US" altLang="zh-CN" sz="2800" dirty="0"/>
+              <a:t>We want to ensure a small Type I error rate. </a:t>
+            </a:r>
+          </a:p>
+        </p:txBody>
+      </p:sp>
       <mc:AlternateContent xmlns:mc="http://schemas.openxmlformats.org/markup-compatibility/2006">
         <mc:Choice xmlns:a14="http://schemas.microsoft.com/office/drawing/2010/main" Requires="a14">
           <p:sp>
             <p:nvSpPr>
-              <p:cNvPr id="2" name="Title 1"/>
-              <p:cNvSpPr>
-                <a:spLocks noGrp="1"/>
-              </p:cNvSpPr>
-              <p:nvPr>
-                <p:ph type="title"/>
-              </p:nvPr>
+              <p:cNvPr id="6" name="TextBox 5">
+                <a:extLst>
+                  <a:ext uri="{FF2B5EF4-FFF2-40B4-BE49-F238E27FC236}">
+                    <a16:creationId xmlns:a16="http://schemas.microsoft.com/office/drawing/2014/main" id="{81EAA96A-7196-4108-DBBE-C3BE2FDA4534}"/>
+                  </a:ext>
+                </a:extLst>
+              </p:cNvPr>
+              <p:cNvSpPr txBox="1"/>
+              <p:nvPr/>
             </p:nvSpPr>
             <p:spPr>
               <a:xfrm>
-                <a:off x="838200" y="365126"/>
-                <a:ext cx="10515600" cy="981894"/>
+                <a:off x="838200" y="3744269"/>
+                <a:ext cx="9727558" cy="1384995"/>
               </a:xfrm>
+              <a:prstGeom prst="rect">
+                <a:avLst/>
+              </a:prstGeom>
+              <a:noFill/>
             </p:spPr>
             <p:txBody>
-              <a:bodyPr>
-                <a:normAutofit/>
+              <a:bodyPr wrap="square">
+                <a:spAutoFit/>
               </a:bodyPr>
               <a:lstStyle/>
               <a:p>
                 <a:r>
-                  <a:rPr lang="en-US" dirty="0"/>
-                  <a:t>Decide Whether to Reject </a:t>
+                  <a:rPr lang="en-US" altLang="zh-CN" sz="2800" dirty="0"/>
+                  <a:t>If we only reject </a:t>
                 </a:r>
                 <a14:m>
                   <m:oMath xmlns:m="http://schemas.openxmlformats.org/officeDocument/2006/math">
                     <m:sSub>
                       <m:sSubPr>
                         <m:ctrlPr>
-                          <a:rPr lang="en-US" altLang="zh-CN" sz="4400" b="0" i="1" smtClean="0">
+                          <a:rPr lang="en-US" altLang="zh-CN" sz="2800" b="0" i="1" smtClean="0">
                             <a:latin typeface="Cambria Math" panose="02040503050406030204" pitchFamily="18" charset="0"/>
                           </a:rPr>
                         </m:ctrlPr>
                       </m:sSubPr>
                       <m:e>
                         <m:r>
-                          <a:rPr lang="en-US" altLang="zh-CN" sz="4400" b="0" i="1" smtClean="0">
+                          <a:rPr lang="en-US" altLang="zh-CN" sz="2800" b="0" i="1" smtClean="0">
                             <a:latin typeface="Cambria Math" panose="02040503050406030204" pitchFamily="18" charset="0"/>
                           </a:rPr>
                           <m:t>𝐻</m:t>
@@ -4453,7 +5636,7 @@
                       </m:e>
                       <m:sub>
                         <m:r>
-                          <a:rPr lang="en-US" altLang="zh-CN" sz="4400" b="0" i="1" smtClean="0">
+                          <a:rPr lang="en-US" altLang="zh-CN" sz="2800" b="0" i="1" smtClean="0">
                             <a:latin typeface="Cambria Math" panose="02040503050406030204" pitchFamily="18" charset="0"/>
                           </a:rPr>
                           <m:t>0</m:t>
@@ -4463,9 +5646,24 @@
                   </m:oMath>
                 </a14:m>
                 <a:r>
-                  <a:rPr lang="en-US" dirty="0"/>
-                  <a:t> </a:t>
+                  <a:rPr lang="en-US" altLang="zh-CN" sz="2800" dirty="0"/>
+                  <a:t> when the p-value is less than </a:t>
                 </a:r>
+                <a:r>
+                  <a:rPr lang="el-GR" altLang="zh-CN" sz="2800" dirty="0"/>
+                  <a:t>α, </a:t>
+                </a:r>
+                <a:r>
+                  <a:rPr lang="en-US" altLang="zh-CN" sz="2800" dirty="0"/>
+                  <a:t>then the Type I error rate will be at most </a:t>
+                </a:r>
+                <a:r>
+                  <a:rPr lang="el-GR" altLang="zh-CN" sz="2800" dirty="0"/>
+                  <a:t>α. </a:t>
+                </a:r>
+              </a:p>
+              <a:p>
+                <a:endParaRPr lang="en-US" altLang="zh-CN" sz="2800" dirty="0"/>
               </a:p>
             </p:txBody>
           </p:sp>
@@ -4473,23 +5671,30 @@
         <mc:Fallback>
           <p:sp>
             <p:nvSpPr>
-              <p:cNvPr id="2" name="Title 1"/>
-              <p:cNvSpPr>
-                <a:spLocks noGrp="1" noRot="1" noChangeAspect="1" noMove="1" noResize="1" noEditPoints="1" noAdjustHandles="1" noChangeArrowheads="1" noChangeShapeType="1" noTextEdit="1"/>
+              <p:cNvPr id="6" name="TextBox 5">
+                <a:extLst>
+                  <a:ext uri="{FF2B5EF4-FFF2-40B4-BE49-F238E27FC236}">
+                    <a16:creationId xmlns:a16="http://schemas.microsoft.com/office/drawing/2014/main" id="{81EAA96A-7196-4108-DBBE-C3BE2FDA4534}"/>
+                  </a:ext>
+                </a:extLst>
+              </p:cNvPr>
+              <p:cNvSpPr txBox="1">
+                <a:spLocks noRot="1" noChangeAspect="1" noMove="1" noResize="1" noEditPoints="1" noAdjustHandles="1" noChangeArrowheads="1" noChangeShapeType="1" noTextEdit="1"/>
               </p:cNvSpPr>
-              <p:nvPr>
-                <p:ph type="title"/>
-              </p:nvPr>
+              <p:nvPr/>
             </p:nvSpPr>
             <p:spPr>
               <a:xfrm>
-                <a:off x="838200" y="365126"/>
-                <a:ext cx="10515600" cy="981894"/>
+                <a:off x="838200" y="3744269"/>
+                <a:ext cx="9727558" cy="1384995"/>
               </a:xfrm>
+              <a:prstGeom prst="rect">
+                <a:avLst/>
+              </a:prstGeom>
               <a:blipFill>
                 <a:blip r:embed="rId3"/>
                 <a:stretch>
-                  <a:fillRect l="-2413" t="-5063" b="-15190"/>
+                  <a:fillRect l="-1305" t="-4545" r="-1697"/>
                 </a:stretch>
               </a:blipFill>
             </p:spPr>
@@ -4508,6 +5713,371 @@
           </p:sp>
         </mc:Fallback>
       </mc:AlternateContent>
+      <mc:AlternateContent xmlns:mc="http://schemas.openxmlformats.org/markup-compatibility/2006">
+        <mc:Choice xmlns:a14="http://schemas.microsoft.com/office/drawing/2010/main" Requires="a14">
+          <p:sp>
+            <p:nvSpPr>
+              <p:cNvPr id="7" name="TextBox 6">
+                <a:extLst>
+                  <a:ext uri="{FF2B5EF4-FFF2-40B4-BE49-F238E27FC236}">
+                    <a16:creationId xmlns:a16="http://schemas.microsoft.com/office/drawing/2014/main" id="{DC03EF57-3E4F-6660-1191-A07EE08312E4}"/>
+                  </a:ext>
+                </a:extLst>
+              </p:cNvPr>
+              <p:cNvSpPr txBox="1"/>
+              <p:nvPr/>
+            </p:nvSpPr>
+            <p:spPr>
+              <a:xfrm>
+                <a:off x="838200" y="5250907"/>
+                <a:ext cx="9727558" cy="954107"/>
+              </a:xfrm>
+              <a:prstGeom prst="rect">
+                <a:avLst/>
+              </a:prstGeom>
+              <a:noFill/>
+            </p:spPr>
+            <p:txBody>
+              <a:bodyPr wrap="square">
+                <a:spAutoFit/>
+              </a:bodyPr>
+              <a:lstStyle/>
+              <a:p>
+                <a:r>
+                  <a:rPr lang="en-US" altLang="zh-CN" sz="2800" dirty="0"/>
+                  <a:t>So, we reject </a:t>
+                </a:r>
+                <a14:m>
+                  <m:oMath xmlns:m="http://schemas.openxmlformats.org/officeDocument/2006/math">
+                    <m:sSub>
+                      <m:sSubPr>
+                        <m:ctrlPr>
+                          <a:rPr lang="en-US" altLang="zh-CN" sz="2800" b="0" i="1" smtClean="0">
+                            <a:latin typeface="Cambria Math" panose="02040503050406030204" pitchFamily="18" charset="0"/>
+                          </a:rPr>
+                        </m:ctrlPr>
+                      </m:sSubPr>
+                      <m:e>
+                        <m:r>
+                          <a:rPr lang="en-US" altLang="zh-CN" sz="2800" b="0" i="1" smtClean="0">
+                            <a:latin typeface="Cambria Math" panose="02040503050406030204" pitchFamily="18" charset="0"/>
+                          </a:rPr>
+                          <m:t>𝐻</m:t>
+                        </m:r>
+                      </m:e>
+                      <m:sub>
+                        <m:r>
+                          <a:rPr lang="en-US" altLang="zh-CN" sz="2800" b="0" i="1" smtClean="0">
+                            <a:latin typeface="Cambria Math" panose="02040503050406030204" pitchFamily="18" charset="0"/>
+                          </a:rPr>
+                          <m:t>0</m:t>
+                        </m:r>
+                      </m:sub>
+                    </m:sSub>
+                  </m:oMath>
+                </a14:m>
+                <a:r>
+                  <a:rPr lang="en-US" altLang="zh-CN" sz="2800" dirty="0"/>
+                  <a:t> when the p-value falls below some </a:t>
+                </a:r>
+                <a:r>
+                  <a:rPr lang="el-GR" altLang="zh-CN" sz="2800" dirty="0"/>
+                  <a:t>α: </a:t>
+                </a:r>
+                <a:r>
+                  <a:rPr lang="en-US" altLang="zh-CN" sz="2800" dirty="0"/>
+                  <a:t>often we choose </a:t>
+                </a:r>
+                <a:r>
+                  <a:rPr lang="el-GR" altLang="zh-CN" sz="2800" dirty="0"/>
+                  <a:t>α </a:t>
+                </a:r>
+                <a:r>
+                  <a:rPr lang="en-US" altLang="zh-CN" sz="2800" dirty="0"/>
+                  <a:t>to equal 0.05 or 0.01 or 0.001. </a:t>
+                </a:r>
+                <a:endParaRPr lang="el-GR" altLang="zh-CN" sz="2800" dirty="0"/>
+              </a:p>
+            </p:txBody>
+          </p:sp>
+        </mc:Choice>
+        <mc:Fallback>
+          <p:sp>
+            <p:nvSpPr>
+              <p:cNvPr id="7" name="TextBox 6">
+                <a:extLst>
+                  <a:ext uri="{FF2B5EF4-FFF2-40B4-BE49-F238E27FC236}">
+                    <a16:creationId xmlns:a16="http://schemas.microsoft.com/office/drawing/2014/main" id="{DC03EF57-3E4F-6660-1191-A07EE08312E4}"/>
+                  </a:ext>
+                </a:extLst>
+              </p:cNvPr>
+              <p:cNvSpPr txBox="1">
+                <a:spLocks noRot="1" noChangeAspect="1" noMove="1" noResize="1" noEditPoints="1" noAdjustHandles="1" noChangeArrowheads="1" noChangeShapeType="1" noTextEdit="1"/>
+              </p:cNvSpPr>
+              <p:nvPr/>
+            </p:nvSpPr>
+            <p:spPr>
+              <a:xfrm>
+                <a:off x="838200" y="5250907"/>
+                <a:ext cx="9727558" cy="954107"/>
+              </a:xfrm>
+              <a:prstGeom prst="rect">
+                <a:avLst/>
+              </a:prstGeom>
+              <a:blipFill>
+                <a:blip r:embed="rId4"/>
+                <a:stretch>
+                  <a:fillRect l="-1305" t="-6579" b="-17105"/>
+                </a:stretch>
+              </a:blipFill>
+            </p:spPr>
+            <p:txBody>
+              <a:bodyPr/>
+              <a:lstStyle/>
+              <a:p>
+                <a:r>
+                  <a:rPr lang="en-US">
+                    <a:noFill/>
+                  </a:rPr>
+                  <a:t> </a:t>
+                </a:r>
+              </a:p>
+            </p:txBody>
+          </p:sp>
+        </mc:Fallback>
+      </mc:AlternateContent>
+    </p:spTree>
+    <p:extLst>
+      <p:ext uri="{BB962C8B-B14F-4D97-AF65-F5344CB8AC3E}">
+        <p14:creationId xmlns:p14="http://schemas.microsoft.com/office/powerpoint/2010/main" val="2487176711"/>
+      </p:ext>
+    </p:extLst>
+  </p:cSld>
+  <p:clrMapOvr>
+    <a:masterClrMapping/>
+  </p:clrMapOvr>
+</p:sld>
+</file>
+
+<file path=ppt/slides/slide12.xml><?xml version="1.0" encoding="utf-8"?>
+<p:sld xmlns:a="http://schemas.openxmlformats.org/drawingml/2006/main" xmlns:r="http://schemas.openxmlformats.org/officeDocument/2006/relationships" xmlns:p="http://schemas.openxmlformats.org/presentationml/2006/main">
+  <p:cSld>
+    <p:spTree>
+      <p:nvGrpSpPr>
+        <p:cNvPr id="1" name=""/>
+        <p:cNvGrpSpPr/>
+        <p:nvPr/>
+      </p:nvGrpSpPr>
+      <p:grpSpPr>
+        <a:xfrm>
+          <a:off x="0" y="0"/>
+          <a:ext cx="0" cy="0"/>
+          <a:chOff x="0" y="0"/>
+          <a:chExt cx="0" cy="0"/>
+        </a:xfrm>
+      </p:grpSpPr>
+      <p:sp>
+        <p:nvSpPr>
+          <p:cNvPr id="2" name="Title 1"/>
+          <p:cNvSpPr>
+            <a:spLocks noGrp="1"/>
+          </p:cNvSpPr>
+          <p:nvPr>
+            <p:ph type="title"/>
+          </p:nvPr>
+        </p:nvSpPr>
+        <p:spPr>
+          <a:xfrm>
+            <a:off x="838200" y="365126"/>
+            <a:ext cx="10515600" cy="981894"/>
+          </a:xfrm>
+        </p:spPr>
+        <p:txBody>
+          <a:bodyPr>
+            <a:normAutofit/>
+          </a:bodyPr>
+          <a:lstStyle/>
+          <a:p>
+            <a:r>
+              <a:rPr lang="en-US" dirty="0"/>
+              <a:t>Multiple Testing </a:t>
+            </a:r>
+          </a:p>
+        </p:txBody>
+      </p:sp>
+      <p:sp>
+        <p:nvSpPr>
+          <p:cNvPr id="3" name="TextBox 2">
+            <a:extLst>
+              <a:ext uri="{FF2B5EF4-FFF2-40B4-BE49-F238E27FC236}">
+                <a16:creationId xmlns:a16="http://schemas.microsoft.com/office/drawing/2014/main" id="{EC969211-D2ED-512E-360D-EE85AFE3A82F}"/>
+              </a:ext>
+            </a:extLst>
+          </p:cNvPr>
+          <p:cNvSpPr txBox="1"/>
+          <p:nvPr/>
+        </p:nvSpPr>
+        <p:spPr>
+          <a:xfrm>
+            <a:off x="838200" y="1745939"/>
+            <a:ext cx="9727558" cy="954107"/>
+          </a:xfrm>
+          <a:prstGeom prst="rect">
+            <a:avLst/>
+          </a:prstGeom>
+          <a:noFill/>
+        </p:spPr>
+        <p:txBody>
+          <a:bodyPr wrap="square">
+            <a:spAutoFit/>
+          </a:bodyPr>
+          <a:lstStyle/>
+          <a:p>
+            <a:r>
+              <a:rPr lang="en-US" altLang="zh-CN" sz="2800" dirty="0"/>
+              <a:t>Now suppose that we wish to test m null hypotheses </a:t>
+            </a:r>
+          </a:p>
+          <a:p>
+            <a:endParaRPr lang="en-US" altLang="zh-CN" sz="2800" dirty="0"/>
+          </a:p>
+        </p:txBody>
+      </p:sp>
+      <p:sp>
+        <p:nvSpPr>
+          <p:cNvPr id="6" name="TextBox 5">
+            <a:extLst>
+              <a:ext uri="{FF2B5EF4-FFF2-40B4-BE49-F238E27FC236}">
+                <a16:creationId xmlns:a16="http://schemas.microsoft.com/office/drawing/2014/main" id="{3AA09B04-9369-D902-50EB-D892B12B4728}"/>
+              </a:ext>
+            </a:extLst>
+          </p:cNvPr>
+          <p:cNvSpPr txBox="1"/>
+          <p:nvPr/>
+        </p:nvSpPr>
+        <p:spPr>
+          <a:xfrm>
+            <a:off x="838200" y="2772960"/>
+            <a:ext cx="9727558" cy="1384995"/>
+          </a:xfrm>
+          <a:prstGeom prst="rect">
+            <a:avLst/>
+          </a:prstGeom>
+          <a:noFill/>
+        </p:spPr>
+        <p:txBody>
+          <a:bodyPr wrap="square">
+            <a:spAutoFit/>
+          </a:bodyPr>
+          <a:lstStyle/>
+          <a:p>
+            <a:r>
+              <a:rPr lang="en-US" altLang="zh-CN" sz="2800" dirty="0"/>
+              <a:t>Can we simply reject all null hypotheses for which the corresponding p-value falls below (say) 0.01? </a:t>
+            </a:r>
+          </a:p>
+          <a:p>
+            <a:endParaRPr lang="en-US" altLang="zh-CN" sz="2800" dirty="0"/>
+          </a:p>
+        </p:txBody>
+      </p:sp>
+      <p:sp>
+        <p:nvSpPr>
+          <p:cNvPr id="5" name="TextBox 4">
+            <a:extLst>
+              <a:ext uri="{FF2B5EF4-FFF2-40B4-BE49-F238E27FC236}">
+                <a16:creationId xmlns:a16="http://schemas.microsoft.com/office/drawing/2014/main" id="{20BF4163-6D56-9C10-D0B5-7CDD12291993}"/>
+              </a:ext>
+            </a:extLst>
+          </p:cNvPr>
+          <p:cNvSpPr txBox="1"/>
+          <p:nvPr/>
+        </p:nvSpPr>
+        <p:spPr>
+          <a:xfrm>
+            <a:off x="838200" y="4230869"/>
+            <a:ext cx="9727558" cy="1384995"/>
+          </a:xfrm>
+          <a:prstGeom prst="rect">
+            <a:avLst/>
+          </a:prstGeom>
+          <a:noFill/>
+        </p:spPr>
+        <p:txBody>
+          <a:bodyPr wrap="square">
+            <a:spAutoFit/>
+          </a:bodyPr>
+          <a:lstStyle/>
+          <a:p>
+            <a:r>
+              <a:rPr lang="en-US" altLang="zh-CN" sz="2800" dirty="0"/>
+              <a:t>If we reject all null hypotheses for which the p-value falls below 0.01, then how many Type I errors will we make? </a:t>
+            </a:r>
+          </a:p>
+          <a:p>
+            <a:endParaRPr lang="en-US" altLang="zh-CN" sz="2800" dirty="0"/>
+          </a:p>
+        </p:txBody>
+      </p:sp>
+    </p:spTree>
+    <p:extLst>
+      <p:ext uri="{BB962C8B-B14F-4D97-AF65-F5344CB8AC3E}">
+        <p14:creationId xmlns:p14="http://schemas.microsoft.com/office/powerpoint/2010/main" val="3720315170"/>
+      </p:ext>
+    </p:extLst>
+  </p:cSld>
+  <p:clrMapOvr>
+    <a:masterClrMapping/>
+  </p:clrMapOvr>
+</p:sld>
+</file>
+
+<file path=ppt/slides/slide13.xml><?xml version="1.0" encoding="utf-8"?>
+<p:sld xmlns:a="http://schemas.openxmlformats.org/drawingml/2006/main" xmlns:r="http://schemas.openxmlformats.org/officeDocument/2006/relationships" xmlns:p="http://schemas.openxmlformats.org/presentationml/2006/main">
+  <p:cSld>
+    <p:spTree>
+      <p:nvGrpSpPr>
+        <p:cNvPr id="1" name=""/>
+        <p:cNvGrpSpPr/>
+        <p:nvPr/>
+      </p:nvGrpSpPr>
+      <p:grpSpPr>
+        <a:xfrm>
+          <a:off x="0" y="0"/>
+          <a:ext cx="0" cy="0"/>
+          <a:chOff x="0" y="0"/>
+          <a:chExt cx="0" cy="0"/>
+        </a:xfrm>
+      </p:grpSpPr>
+      <p:sp>
+        <p:nvSpPr>
+          <p:cNvPr id="2" name="Title 1"/>
+          <p:cNvSpPr>
+            <a:spLocks noGrp="1"/>
+          </p:cNvSpPr>
+          <p:nvPr>
+            <p:ph type="title"/>
+          </p:nvPr>
+        </p:nvSpPr>
+        <p:spPr>
+          <a:xfrm>
+            <a:off x="838200" y="365126"/>
+            <a:ext cx="10515600" cy="981894"/>
+          </a:xfrm>
+        </p:spPr>
+        <p:txBody>
+          <a:bodyPr>
+            <a:normAutofit/>
+          </a:bodyPr>
+          <a:lstStyle/>
+          <a:p>
+            <a:r>
+              <a:rPr lang="en-US" dirty="0"/>
+              <a:t>The Challenge of Multiple Testing </a:t>
+            </a:r>
+          </a:p>
+        </p:txBody>
+      </p:sp>
       <mc:AlternateContent xmlns:mc="http://schemas.openxmlformats.org/markup-compatibility/2006">
         <mc:Choice xmlns:a14="http://schemas.microsoft.com/office/drawing/2010/main" Requires="a14">
           <p:sp>
@@ -4540,7 +6110,7 @@
               <a:p>
                 <a:r>
                   <a:rPr lang="en-US" altLang="zh-CN" sz="2800" dirty="0"/>
-                  <a:t>A small p-value indicates that such a large value of the test statistic is unlikely to occur under </a:t>
+                  <a:t>Suppose we test </a:t>
                 </a:r>
                 <a14:m>
                   <m:oMath xmlns:m="http://schemas.openxmlformats.org/officeDocument/2006/math">
@@ -4565,7 +6135,7 @@
                           <a:rPr lang="en-US" altLang="zh-CN" sz="2800" b="0" i="1" smtClean="0">
                             <a:latin typeface="Cambria Math" panose="02040503050406030204" pitchFamily="18" charset="0"/>
                           </a:rPr>
-                          <m:t>0</m:t>
+                          <m:t>01</m:t>
                         </m:r>
                       </m:sub>
                     </m:sSub>
@@ -4573,7 +6143,46 @@
                 </a14:m>
                 <a:r>
                   <a:rPr lang="en-US" altLang="zh-CN" sz="2800" dirty="0"/>
-                  <a:t>. </a:t>
+                  <a:t>,..., </a:t>
+                </a:r>
+                <a14:m>
+                  <m:oMath xmlns:m="http://schemas.openxmlformats.org/officeDocument/2006/math">
+                    <m:sSub>
+                      <m:sSubPr>
+                        <m:ctrlPr>
+                          <a:rPr lang="en-US" altLang="zh-CN" sz="2800" i="1">
+                            <a:latin typeface="Cambria Math" panose="02040503050406030204" pitchFamily="18" charset="0"/>
+                          </a:rPr>
+                        </m:ctrlPr>
+                      </m:sSubPr>
+                      <m:e>
+                        <m:r>
+                          <a:rPr lang="en-US" altLang="zh-CN" sz="2800" i="1">
+                            <a:latin typeface="Cambria Math" panose="02040503050406030204" pitchFamily="18" charset="0"/>
+                          </a:rPr>
+                          <m:t>𝐻</m:t>
+                        </m:r>
+                      </m:e>
+                      <m:sub>
+                        <m:r>
+                          <a:rPr lang="en-US" altLang="zh-CN" sz="2800" i="1">
+                            <a:latin typeface="Cambria Math" panose="02040503050406030204" pitchFamily="18" charset="0"/>
+                          </a:rPr>
+                          <m:t>0</m:t>
+                        </m:r>
+                        <m:r>
+                          <a:rPr lang="en-US" altLang="zh-CN" sz="2800" b="0" i="1" smtClean="0">
+                            <a:latin typeface="Cambria Math" panose="02040503050406030204" pitchFamily="18" charset="0"/>
+                          </a:rPr>
+                          <m:t>𝑚</m:t>
+                        </m:r>
+                      </m:sub>
+                    </m:sSub>
+                  </m:oMath>
+                </a14:m>
+                <a:r>
+                  <a:rPr lang="en-US" altLang="zh-CN" sz="2800" dirty="0"/>
+                  <a:t>, all of which are true, and reject any null hypothesis with a p-value below 0.01. </a:t>
                 </a:r>
               </a:p>
               <a:p>
@@ -4606,9 +6215,9 @@
                 <a:avLst/>
               </a:prstGeom>
               <a:blipFill>
-                <a:blip r:embed="rId4"/>
+                <a:blip r:embed="rId3"/>
                 <a:stretch>
-                  <a:fillRect l="-1305" t="-4545"/>
+                  <a:fillRect l="-1305" t="-4545" r="-1175"/>
                 </a:stretch>
               </a:blipFill>
             </p:spPr>
@@ -4627,125 +6236,41 @@
           </p:sp>
         </mc:Fallback>
       </mc:AlternateContent>
-      <mc:AlternateContent xmlns:mc="http://schemas.openxmlformats.org/markup-compatibility/2006">
-        <mc:Choice xmlns:a14="http://schemas.microsoft.com/office/drawing/2010/main" Requires="a14">
-          <p:sp>
-            <p:nvSpPr>
-              <p:cNvPr id="6" name="TextBox 5">
-                <a:extLst>
-                  <a:ext uri="{FF2B5EF4-FFF2-40B4-BE49-F238E27FC236}">
-                    <a16:creationId xmlns:a16="http://schemas.microsoft.com/office/drawing/2014/main" id="{3AA09B04-9369-D902-50EB-D892B12B4728}"/>
-                  </a:ext>
-                </a:extLst>
-              </p:cNvPr>
-              <p:cNvSpPr txBox="1"/>
-              <p:nvPr/>
-            </p:nvSpPr>
-            <p:spPr>
-              <a:xfrm>
-                <a:off x="838200" y="3429000"/>
-                <a:ext cx="9727558" cy="954107"/>
-              </a:xfrm>
-              <a:prstGeom prst="rect">
-                <a:avLst/>
-              </a:prstGeom>
-              <a:noFill/>
-            </p:spPr>
-            <p:txBody>
-              <a:bodyPr wrap="square">
-                <a:spAutoFit/>
-              </a:bodyPr>
-              <a:lstStyle/>
-              <a:p>
-                <a:r>
-                  <a:rPr lang="en-US" altLang="zh-CN" sz="2800" dirty="0"/>
-                  <a:t>A small p-value provides evidence against </a:t>
-                </a:r>
-                <a14:m>
-                  <m:oMath xmlns:m="http://schemas.openxmlformats.org/officeDocument/2006/math">
-                    <m:sSub>
-                      <m:sSubPr>
-                        <m:ctrlPr>
-                          <a:rPr lang="en-US" altLang="zh-CN" sz="2800" b="0" i="1" smtClean="0">
-                            <a:latin typeface="Cambria Math" panose="02040503050406030204" pitchFamily="18" charset="0"/>
-                          </a:rPr>
-                        </m:ctrlPr>
-                      </m:sSubPr>
-                      <m:e>
-                        <m:r>
-                          <a:rPr lang="en-US" altLang="zh-CN" sz="2800" b="0" i="1" smtClean="0">
-                            <a:latin typeface="Cambria Math" panose="02040503050406030204" pitchFamily="18" charset="0"/>
-                          </a:rPr>
-                          <m:t>𝐻</m:t>
-                        </m:r>
-                      </m:e>
-                      <m:sub>
-                        <m:r>
-                          <a:rPr lang="en-US" altLang="zh-CN" sz="2800" b="0" i="1" smtClean="0">
-                            <a:latin typeface="Cambria Math" panose="02040503050406030204" pitchFamily="18" charset="0"/>
-                          </a:rPr>
-                          <m:t>0</m:t>
-                        </m:r>
-                      </m:sub>
-                    </m:sSub>
-                  </m:oMath>
-                </a14:m>
-                <a:r>
-                  <a:rPr lang="en-US" altLang="zh-CN" sz="2800" dirty="0"/>
-                  <a:t> . </a:t>
-                </a:r>
-              </a:p>
-              <a:p>
-                <a:endParaRPr lang="en-US" altLang="zh-CN" sz="2800" dirty="0"/>
-              </a:p>
-            </p:txBody>
-          </p:sp>
-        </mc:Choice>
-        <mc:Fallback>
-          <p:sp>
-            <p:nvSpPr>
-              <p:cNvPr id="6" name="TextBox 5">
-                <a:extLst>
-                  <a:ext uri="{FF2B5EF4-FFF2-40B4-BE49-F238E27FC236}">
-                    <a16:creationId xmlns:a16="http://schemas.microsoft.com/office/drawing/2014/main" id="{3AA09B04-9369-D902-50EB-D892B12B4728}"/>
-                  </a:ext>
-                </a:extLst>
-              </p:cNvPr>
-              <p:cNvSpPr txBox="1">
-                <a:spLocks noRot="1" noChangeAspect="1" noMove="1" noResize="1" noEditPoints="1" noAdjustHandles="1" noChangeArrowheads="1" noChangeShapeType="1" noTextEdit="1"/>
-              </p:cNvSpPr>
-              <p:nvPr/>
-            </p:nvSpPr>
-            <p:spPr>
-              <a:xfrm>
-                <a:off x="838200" y="3429000"/>
-                <a:ext cx="9727558" cy="954107"/>
-              </a:xfrm>
-              <a:prstGeom prst="rect">
-                <a:avLst/>
-              </a:prstGeom>
-              <a:blipFill>
-                <a:blip r:embed="rId5"/>
-                <a:stretch>
-                  <a:fillRect l="-1305" t="-7895"/>
-                </a:stretch>
-              </a:blipFill>
-            </p:spPr>
-            <p:txBody>
-              <a:bodyPr/>
-              <a:lstStyle/>
-              <a:p>
-                <a:r>
-                  <a:rPr lang="en-US">
-                    <a:noFill/>
-                  </a:rPr>
-                  <a:t> </a:t>
-                </a:r>
-              </a:p>
-            </p:txBody>
-          </p:sp>
-        </mc:Fallback>
-      </mc:AlternateContent>
+      <p:sp>
+        <p:nvSpPr>
+          <p:cNvPr id="6" name="TextBox 5">
+            <a:extLst>
+              <a:ext uri="{FF2B5EF4-FFF2-40B4-BE49-F238E27FC236}">
+                <a16:creationId xmlns:a16="http://schemas.microsoft.com/office/drawing/2014/main" id="{3AA09B04-9369-D902-50EB-D892B12B4728}"/>
+              </a:ext>
+            </a:extLst>
+          </p:cNvPr>
+          <p:cNvSpPr txBox="1"/>
+          <p:nvPr/>
+        </p:nvSpPr>
+        <p:spPr>
+          <a:xfrm>
+            <a:off x="838200" y="3052799"/>
+            <a:ext cx="9727558" cy="954107"/>
+          </a:xfrm>
+          <a:prstGeom prst="rect">
+            <a:avLst/>
+          </a:prstGeom>
+          <a:noFill/>
+        </p:spPr>
+        <p:txBody>
+          <a:bodyPr wrap="square">
+            <a:spAutoFit/>
+          </a:bodyPr>
+          <a:lstStyle/>
+          <a:p>
+            <a:r>
+              <a:rPr lang="en-US" altLang="zh-CN" sz="2800" dirty="0"/>
+              <a:t>Then we expect to falsely reject approximately 0.01 × m null hypotheses. </a:t>
+            </a:r>
+          </a:p>
+        </p:txBody>
+      </p:sp>
       <p:sp>
         <p:nvSpPr>
           <p:cNvPr id="5" name="TextBox 4">
@@ -4760,7 +6285,7 @@
         </p:nvSpPr>
         <p:spPr>
           <a:xfrm>
-            <a:off x="838200" y="4689250"/>
+            <a:off x="838200" y="4437794"/>
             <a:ext cx="9727558" cy="954107"/>
           </a:xfrm>
           <a:prstGeom prst="rect">
@@ -4776,7 +6301,7 @@
           <a:p>
             <a:r>
               <a:rPr lang="en-US" altLang="zh-CN" sz="2800" dirty="0"/>
-              <a:t>If the p-value is sufficiently small, then we will want to reject H0 (and, therefore, make a potential “discovery”). </a:t>
+              <a:t>If m = 10,000, then we expect to falsely reject 100 null hypotheses by chance! </a:t>
             </a:r>
           </a:p>
         </p:txBody>
@@ -4784,7 +6309,7 @@
     </p:spTree>
     <p:extLst>
       <p:ext uri="{BB962C8B-B14F-4D97-AF65-F5344CB8AC3E}">
-        <p14:creationId xmlns:p14="http://schemas.microsoft.com/office/powerpoint/2010/main" val="3838707028"/>
+        <p14:creationId xmlns:p14="http://schemas.microsoft.com/office/powerpoint/2010/main" val="2765818947"/>
       </p:ext>
     </p:extLst>
   </p:cSld>
@@ -4794,7 +6319,7 @@
 </p:sld>
 </file>
 
-<file path=ppt/slides/slide11.xml><?xml version="1.0" encoding="utf-8"?>
+<file path=ppt/slides/slide14.xml><?xml version="1.0" encoding="utf-8"?>
 <p:sld xmlns:a="http://schemas.openxmlformats.org/drawingml/2006/main" xmlns:r="http://schemas.openxmlformats.org/officeDocument/2006/relationships" xmlns:p="http://schemas.openxmlformats.org/presentationml/2006/main">
   <p:cSld>
     <p:spTree>
@@ -4813,73 +6338,773 @@
       </p:grpSpPr>
       <p:sp>
         <p:nvSpPr>
-          <p:cNvPr id="2" name="Title 1">
+          <p:cNvPr id="2" name="Title 1"/>
+          <p:cNvSpPr>
+            <a:spLocks noGrp="1"/>
+          </p:cNvSpPr>
+          <p:nvPr>
+            <p:ph type="title"/>
+          </p:nvPr>
+        </p:nvSpPr>
+        <p:spPr>
+          <a:xfrm>
+            <a:off x="838200" y="365126"/>
+            <a:ext cx="10515600" cy="981894"/>
+          </a:xfrm>
+        </p:spPr>
+        <p:txBody>
+          <a:bodyPr>
+            <a:normAutofit/>
+          </a:bodyPr>
+          <a:lstStyle/>
+          <a:p>
+            <a:r>
+              <a:rPr lang="en-US" dirty="0"/>
+              <a:t>The Family-Wise Error Rate </a:t>
+            </a:r>
+          </a:p>
+        </p:txBody>
+      </p:sp>
+      <p:sp>
+        <p:nvSpPr>
+          <p:cNvPr id="3" name="TextBox 2">
             <a:extLst>
               <a:ext uri="{FF2B5EF4-FFF2-40B4-BE49-F238E27FC236}">
-                <a16:creationId xmlns:a16="http://schemas.microsoft.com/office/drawing/2014/main" id="{C7B6FA7C-E32E-794B-BBD8-E51479CBBF02}"/>
+                <a16:creationId xmlns:a16="http://schemas.microsoft.com/office/drawing/2014/main" id="{EC969211-D2ED-512E-360D-EE85AFE3A82F}"/>
               </a:ext>
             </a:extLst>
           </p:cNvPr>
-          <p:cNvSpPr>
-            <a:spLocks noGrp="1"/>
-          </p:cNvSpPr>
-          <p:nvPr>
-            <p:ph type="title"/>
-          </p:nvPr>
-        </p:nvSpPr>
-        <p:spPr/>
-        <p:txBody>
-          <a:bodyPr/>
-          <a:lstStyle/>
-          <a:p>
-            <a:r>
-              <a:rPr lang="en-US" dirty="0" err="1"/>
-              <a:t>Nih</a:t>
-            </a:r>
-            <a:r>
-              <a:rPr lang="en-US" dirty="0"/>
-              <a:t> </a:t>
-            </a:r>
-            <a:r>
-              <a:rPr lang="en-US" dirty="0" err="1"/>
-              <a:t>nrt</a:t>
-            </a:r>
-            <a:r>
-              <a:rPr lang="en-US"/>
-              <a:t> project</a:t>
-            </a:r>
-          </a:p>
-        </p:txBody>
-      </p:sp>
-      <p:sp>
-        <p:nvSpPr>
-          <p:cNvPr id="3" name="Content Placeholder 2">
+          <p:cNvSpPr txBox="1"/>
+          <p:nvPr/>
+        </p:nvSpPr>
+        <p:spPr>
+          <a:xfrm>
+            <a:off x="838200" y="1745939"/>
+            <a:ext cx="9727558" cy="1384995"/>
+          </a:xfrm>
+          <a:prstGeom prst="rect">
+            <a:avLst/>
+          </a:prstGeom>
+          <a:noFill/>
+        </p:spPr>
+        <p:txBody>
+          <a:bodyPr wrap="square">
+            <a:spAutoFit/>
+          </a:bodyPr>
+          <a:lstStyle/>
+          <a:p>
+            <a:r>
+              <a:rPr lang="en-US" altLang="zh-CN" sz="2800" dirty="0"/>
+              <a:t>The family-wise error rate (FWER) is the probability of making at least one Type I error when conducting m hypothesis tests. </a:t>
+            </a:r>
+          </a:p>
+          <a:p>
+            <a:endParaRPr lang="en-US" altLang="zh-CN" sz="2800" dirty="0"/>
+          </a:p>
+        </p:txBody>
+      </p:sp>
+      <p:sp>
+        <p:nvSpPr>
+          <p:cNvPr id="6" name="TextBox 5">
             <a:extLst>
               <a:ext uri="{FF2B5EF4-FFF2-40B4-BE49-F238E27FC236}">
-                <a16:creationId xmlns:a16="http://schemas.microsoft.com/office/drawing/2014/main" id="{E6115FE0-7172-236A-33EB-9E6233F9A7D6}"/>
+                <a16:creationId xmlns:a16="http://schemas.microsoft.com/office/drawing/2014/main" id="{3AA09B04-9369-D902-50EB-D892B12B4728}"/>
               </a:ext>
             </a:extLst>
           </p:cNvPr>
-          <p:cNvSpPr>
-            <a:spLocks noGrp="1"/>
-          </p:cNvSpPr>
-          <p:nvPr>
-            <p:ph idx="1"/>
-          </p:nvPr>
-        </p:nvSpPr>
-        <p:spPr/>
-        <p:txBody>
-          <a:bodyPr/>
-          <a:lstStyle/>
-          <a:p>
-            <a:endParaRPr lang="en-US"/>
-          </a:p>
-        </p:txBody>
-      </p:sp>
+          <p:cNvSpPr txBox="1"/>
+          <p:nvPr/>
+        </p:nvSpPr>
+        <p:spPr>
+          <a:xfrm>
+            <a:off x="838200" y="3052799"/>
+            <a:ext cx="9727558" cy="523220"/>
+          </a:xfrm>
+          <a:prstGeom prst="rect">
+            <a:avLst/>
+          </a:prstGeom>
+          <a:noFill/>
+        </p:spPr>
+        <p:txBody>
+          <a:bodyPr wrap="square">
+            <a:spAutoFit/>
+          </a:bodyPr>
+          <a:lstStyle/>
+          <a:p>
+            <a:r>
+              <a:rPr lang="en-US" altLang="zh-CN" sz="2800" dirty="0"/>
+              <a:t>FWER=</a:t>
+            </a:r>
+            <a:r>
+              <a:rPr lang="en-US" altLang="zh-CN" sz="2800" dirty="0" err="1"/>
+              <a:t>Pr</a:t>
+            </a:r>
+            <a:r>
+              <a:rPr lang="en-US" altLang="zh-CN" sz="2800" dirty="0"/>
+              <a:t>(V ≥1) </a:t>
+            </a:r>
+          </a:p>
+        </p:txBody>
+      </p:sp>
+      <p:pic>
+        <p:nvPicPr>
+          <p:cNvPr id="4" name="Picture 3">
+            <a:extLst>
+              <a:ext uri="{FF2B5EF4-FFF2-40B4-BE49-F238E27FC236}">
+                <a16:creationId xmlns:a16="http://schemas.microsoft.com/office/drawing/2014/main" id="{D0732B26-757E-CB8A-EA66-1714D54653E5}"/>
+              </a:ext>
+            </a:extLst>
+          </p:cNvPr>
+          <p:cNvPicPr>
+            <a:picLocks noChangeAspect="1"/>
+          </p:cNvPicPr>
+          <p:nvPr/>
+        </p:nvPicPr>
+        <p:blipFill>
+          <a:blip r:embed="rId3"/>
+          <a:stretch>
+            <a:fillRect/>
+          </a:stretch>
+        </p:blipFill>
+        <p:spPr>
+          <a:xfrm>
+            <a:off x="971308" y="4000960"/>
+            <a:ext cx="8438909" cy="1763837"/>
+          </a:xfrm>
+          <a:prstGeom prst="rect">
+            <a:avLst/>
+          </a:prstGeom>
+        </p:spPr>
+      </p:pic>
     </p:spTree>
     <p:extLst>
       <p:ext uri="{BB962C8B-B14F-4D97-AF65-F5344CB8AC3E}">
-        <p14:creationId xmlns:p14="http://schemas.microsoft.com/office/powerpoint/2010/main" val="1868915560"/>
+        <p14:creationId xmlns:p14="http://schemas.microsoft.com/office/powerpoint/2010/main" val="1794026543"/>
+      </p:ext>
+    </p:extLst>
+  </p:cSld>
+  <p:clrMapOvr>
+    <a:masterClrMapping/>
+  </p:clrMapOvr>
+</p:sld>
+</file>
+
+<file path=ppt/slides/slide15.xml><?xml version="1.0" encoding="utf-8"?>
+<p:sld xmlns:a="http://schemas.openxmlformats.org/drawingml/2006/main" xmlns:r="http://schemas.openxmlformats.org/officeDocument/2006/relationships" xmlns:p="http://schemas.openxmlformats.org/presentationml/2006/main">
+  <p:cSld>
+    <p:spTree>
+      <p:nvGrpSpPr>
+        <p:cNvPr id="1" name=""/>
+        <p:cNvGrpSpPr/>
+        <p:nvPr/>
+      </p:nvGrpSpPr>
+      <p:grpSpPr>
+        <a:xfrm>
+          <a:off x="0" y="0"/>
+          <a:ext cx="0" cy="0"/>
+          <a:chOff x="0" y="0"/>
+          <a:chExt cx="0" cy="0"/>
+        </a:xfrm>
+      </p:grpSpPr>
+      <p:sp>
+        <p:nvSpPr>
+          <p:cNvPr id="2" name="Title 1"/>
+          <p:cNvSpPr>
+            <a:spLocks noGrp="1"/>
+          </p:cNvSpPr>
+          <p:nvPr>
+            <p:ph type="title"/>
+          </p:nvPr>
+        </p:nvSpPr>
+        <p:spPr>
+          <a:xfrm>
+            <a:off x="838200" y="365126"/>
+            <a:ext cx="10515600" cy="981894"/>
+          </a:xfrm>
+        </p:spPr>
+        <p:txBody>
+          <a:bodyPr>
+            <a:normAutofit/>
+          </a:bodyPr>
+          <a:lstStyle/>
+          <a:p>
+            <a:r>
+              <a:rPr lang="en-US" dirty="0"/>
+              <a:t>The Family-Wise Error Rate </a:t>
+            </a:r>
+          </a:p>
+        </p:txBody>
+      </p:sp>
+      <p:pic>
+        <p:nvPicPr>
+          <p:cNvPr id="5" name="Picture 4">
+            <a:extLst>
+              <a:ext uri="{FF2B5EF4-FFF2-40B4-BE49-F238E27FC236}">
+                <a16:creationId xmlns:a16="http://schemas.microsoft.com/office/drawing/2014/main" id="{8C86DEC7-478E-E314-64C2-7AE529243087}"/>
+              </a:ext>
+            </a:extLst>
+          </p:cNvPr>
+          <p:cNvPicPr>
+            <a:picLocks noChangeAspect="1"/>
+          </p:cNvPicPr>
+          <p:nvPr/>
+        </p:nvPicPr>
+        <p:blipFill>
+          <a:blip r:embed="rId3"/>
+          <a:stretch>
+            <a:fillRect/>
+          </a:stretch>
+        </p:blipFill>
+        <p:spPr>
+          <a:xfrm>
+            <a:off x="838200" y="2112647"/>
+            <a:ext cx="9151436" cy="1196610"/>
+          </a:xfrm>
+          <a:prstGeom prst="rect">
+            <a:avLst/>
+          </a:prstGeom>
+        </p:spPr>
+      </p:pic>
+      <p:pic>
+        <p:nvPicPr>
+          <p:cNvPr id="9" name="Picture 8">
+            <a:extLst>
+              <a:ext uri="{FF2B5EF4-FFF2-40B4-BE49-F238E27FC236}">
+                <a16:creationId xmlns:a16="http://schemas.microsoft.com/office/drawing/2014/main" id="{AE544D6B-3B48-491F-B61D-E31F1FCE64EA}"/>
+              </a:ext>
+            </a:extLst>
+          </p:cNvPr>
+          <p:cNvPicPr>
+            <a:picLocks noChangeAspect="1"/>
+          </p:cNvPicPr>
+          <p:nvPr/>
+        </p:nvPicPr>
+        <p:blipFill>
+          <a:blip r:embed="rId4"/>
+          <a:stretch>
+            <a:fillRect/>
+          </a:stretch>
+        </p:blipFill>
+        <p:spPr>
+          <a:xfrm>
+            <a:off x="838199" y="4074883"/>
+            <a:ext cx="7957457" cy="1715159"/>
+          </a:xfrm>
+          <a:prstGeom prst="rect">
+            <a:avLst/>
+          </a:prstGeom>
+        </p:spPr>
+      </p:pic>
+    </p:spTree>
+    <p:extLst>
+      <p:ext uri="{BB962C8B-B14F-4D97-AF65-F5344CB8AC3E}">
+        <p14:creationId xmlns:p14="http://schemas.microsoft.com/office/powerpoint/2010/main" val="414251585"/>
+      </p:ext>
+    </p:extLst>
+  </p:cSld>
+  <p:clrMapOvr>
+    <a:masterClrMapping/>
+  </p:clrMapOvr>
+</p:sld>
+</file>
+
+<file path=ppt/slides/slide16.xml><?xml version="1.0" encoding="utf-8"?>
+<p:sld xmlns:a="http://schemas.openxmlformats.org/drawingml/2006/main" xmlns:r="http://schemas.openxmlformats.org/officeDocument/2006/relationships" xmlns:p="http://schemas.openxmlformats.org/presentationml/2006/main">
+  <p:cSld>
+    <p:spTree>
+      <p:nvGrpSpPr>
+        <p:cNvPr id="1" name=""/>
+        <p:cNvGrpSpPr/>
+        <p:nvPr/>
+      </p:nvGrpSpPr>
+      <p:grpSpPr>
+        <a:xfrm>
+          <a:off x="0" y="0"/>
+          <a:ext cx="0" cy="0"/>
+          <a:chOff x="0" y="0"/>
+          <a:chExt cx="0" cy="0"/>
+        </a:xfrm>
+      </p:grpSpPr>
+      <p:sp>
+        <p:nvSpPr>
+          <p:cNvPr id="2" name="Title 1"/>
+          <p:cNvSpPr>
+            <a:spLocks noGrp="1"/>
+          </p:cNvSpPr>
+          <p:nvPr>
+            <p:ph type="title"/>
+          </p:nvPr>
+        </p:nvSpPr>
+        <p:spPr>
+          <a:xfrm>
+            <a:off x="838200" y="365126"/>
+            <a:ext cx="10515600" cy="981894"/>
+          </a:xfrm>
+        </p:spPr>
+        <p:txBody>
+          <a:bodyPr>
+            <a:normAutofit/>
+          </a:bodyPr>
+          <a:lstStyle/>
+          <a:p>
+            <a:r>
+              <a:rPr lang="en-US" dirty="0"/>
+              <a:t>The Family-Wise Error Rate </a:t>
+            </a:r>
+          </a:p>
+        </p:txBody>
+      </p:sp>
+      <p:pic>
+        <p:nvPicPr>
+          <p:cNvPr id="3" name="Picture 2">
+            <a:extLst>
+              <a:ext uri="{FF2B5EF4-FFF2-40B4-BE49-F238E27FC236}">
+                <a16:creationId xmlns:a16="http://schemas.microsoft.com/office/drawing/2014/main" id="{96E0D0B6-7B0D-61B7-0BFD-3E0016C0C0B7}"/>
+              </a:ext>
+            </a:extLst>
+          </p:cNvPr>
+          <p:cNvPicPr>
+            <a:picLocks noChangeAspect="1"/>
+          </p:cNvPicPr>
+          <p:nvPr/>
+        </p:nvPicPr>
+        <p:blipFill>
+          <a:blip r:embed="rId3"/>
+          <a:stretch>
+            <a:fillRect/>
+          </a:stretch>
+        </p:blipFill>
+        <p:spPr>
+          <a:xfrm>
+            <a:off x="1629229" y="1347020"/>
+            <a:ext cx="8051800" cy="5332032"/>
+          </a:xfrm>
+          <a:prstGeom prst="rect">
+            <a:avLst/>
+          </a:prstGeom>
+        </p:spPr>
+      </p:pic>
+    </p:spTree>
+    <p:extLst>
+      <p:ext uri="{BB962C8B-B14F-4D97-AF65-F5344CB8AC3E}">
+        <p14:creationId xmlns:p14="http://schemas.microsoft.com/office/powerpoint/2010/main" val="1132615853"/>
+      </p:ext>
+    </p:extLst>
+  </p:cSld>
+  <p:clrMapOvr>
+    <a:masterClrMapping/>
+  </p:clrMapOvr>
+</p:sld>
+</file>
+
+<file path=ppt/slides/slide17.xml><?xml version="1.0" encoding="utf-8"?>
+<p:sld xmlns:a="http://schemas.openxmlformats.org/drawingml/2006/main" xmlns:r="http://schemas.openxmlformats.org/officeDocument/2006/relationships" xmlns:p="http://schemas.openxmlformats.org/presentationml/2006/main">
+  <p:cSld>
+    <p:spTree>
+      <p:nvGrpSpPr>
+        <p:cNvPr id="1" name=""/>
+        <p:cNvGrpSpPr/>
+        <p:nvPr/>
+      </p:nvGrpSpPr>
+      <p:grpSpPr>
+        <a:xfrm>
+          <a:off x="0" y="0"/>
+          <a:ext cx="0" cy="0"/>
+          <a:chOff x="0" y="0"/>
+          <a:chExt cx="0" cy="0"/>
+        </a:xfrm>
+      </p:grpSpPr>
+      <p:sp>
+        <p:nvSpPr>
+          <p:cNvPr id="2" name="Title 1"/>
+          <p:cNvSpPr>
+            <a:spLocks noGrp="1"/>
+          </p:cNvSpPr>
+          <p:nvPr>
+            <p:ph type="title"/>
+          </p:nvPr>
+        </p:nvSpPr>
+        <p:spPr>
+          <a:xfrm>
+            <a:off x="838200" y="365126"/>
+            <a:ext cx="10515600" cy="981894"/>
+          </a:xfrm>
+        </p:spPr>
+        <p:txBody>
+          <a:bodyPr>
+            <a:normAutofit/>
+          </a:bodyPr>
+          <a:lstStyle/>
+          <a:p>
+            <a:r>
+              <a:rPr lang="en-US" dirty="0"/>
+              <a:t>Holm’s Method</a:t>
+            </a:r>
+          </a:p>
+        </p:txBody>
+      </p:sp>
+      <p:pic>
+        <p:nvPicPr>
+          <p:cNvPr id="4" name="Picture 3">
+            <a:extLst>
+              <a:ext uri="{FF2B5EF4-FFF2-40B4-BE49-F238E27FC236}">
+                <a16:creationId xmlns:a16="http://schemas.microsoft.com/office/drawing/2014/main" id="{136C75C0-43BD-ACF5-7F83-20791EF0E974}"/>
+              </a:ext>
+            </a:extLst>
+          </p:cNvPr>
+          <p:cNvPicPr>
+            <a:picLocks noChangeAspect="1"/>
+          </p:cNvPicPr>
+          <p:nvPr/>
+        </p:nvPicPr>
+        <p:blipFill>
+          <a:blip r:embed="rId3"/>
+          <a:stretch>
+            <a:fillRect/>
+          </a:stretch>
+        </p:blipFill>
+        <p:spPr>
+          <a:xfrm>
+            <a:off x="838199" y="1759923"/>
+            <a:ext cx="9023695" cy="981894"/>
+          </a:xfrm>
+          <a:prstGeom prst="rect">
+            <a:avLst/>
+          </a:prstGeom>
+        </p:spPr>
+      </p:pic>
+      <p:pic>
+        <p:nvPicPr>
+          <p:cNvPr id="5" name="Picture 4">
+            <a:extLst>
+              <a:ext uri="{FF2B5EF4-FFF2-40B4-BE49-F238E27FC236}">
+                <a16:creationId xmlns:a16="http://schemas.microsoft.com/office/drawing/2014/main" id="{B6058AA5-0CD2-F263-E837-3BF3641B949E}"/>
+              </a:ext>
+            </a:extLst>
+          </p:cNvPr>
+          <p:cNvPicPr>
+            <a:picLocks noChangeAspect="1"/>
+          </p:cNvPicPr>
+          <p:nvPr/>
+        </p:nvPicPr>
+        <p:blipFill>
+          <a:blip r:embed="rId4"/>
+          <a:stretch>
+            <a:fillRect/>
+          </a:stretch>
+        </p:blipFill>
+        <p:spPr>
+          <a:xfrm>
+            <a:off x="838199" y="3208516"/>
+            <a:ext cx="9152502" cy="615366"/>
+          </a:xfrm>
+          <a:prstGeom prst="rect">
+            <a:avLst/>
+          </a:prstGeom>
+        </p:spPr>
+      </p:pic>
+      <p:pic>
+        <p:nvPicPr>
+          <p:cNvPr id="6" name="Picture 5">
+            <a:extLst>
+              <a:ext uri="{FF2B5EF4-FFF2-40B4-BE49-F238E27FC236}">
+                <a16:creationId xmlns:a16="http://schemas.microsoft.com/office/drawing/2014/main" id="{D5FAA2BA-9CDC-AEF5-90B9-954AB9274110}"/>
+              </a:ext>
+            </a:extLst>
+          </p:cNvPr>
+          <p:cNvPicPr>
+            <a:picLocks noChangeAspect="1"/>
+          </p:cNvPicPr>
+          <p:nvPr/>
+        </p:nvPicPr>
+        <p:blipFill>
+          <a:blip r:embed="rId5"/>
+          <a:stretch>
+            <a:fillRect/>
+          </a:stretch>
+        </p:blipFill>
+        <p:spPr>
+          <a:xfrm>
+            <a:off x="838199" y="4290582"/>
+            <a:ext cx="9461288" cy="1567922"/>
+          </a:xfrm>
+          <a:prstGeom prst="rect">
+            <a:avLst/>
+          </a:prstGeom>
+        </p:spPr>
+      </p:pic>
+    </p:spTree>
+    <p:extLst>
+      <p:ext uri="{BB962C8B-B14F-4D97-AF65-F5344CB8AC3E}">
+        <p14:creationId xmlns:p14="http://schemas.microsoft.com/office/powerpoint/2010/main" val="1382875325"/>
+      </p:ext>
+    </p:extLst>
+  </p:cSld>
+  <p:clrMapOvr>
+    <a:masterClrMapping/>
+  </p:clrMapOvr>
+</p:sld>
+</file>
+
+<file path=ppt/slides/slide18.xml><?xml version="1.0" encoding="utf-8"?>
+<p:sld xmlns:a="http://schemas.openxmlformats.org/drawingml/2006/main" xmlns:r="http://schemas.openxmlformats.org/officeDocument/2006/relationships" xmlns:p="http://schemas.openxmlformats.org/presentationml/2006/main">
+  <p:cSld>
+    <p:spTree>
+      <p:nvGrpSpPr>
+        <p:cNvPr id="1" name=""/>
+        <p:cNvGrpSpPr/>
+        <p:nvPr/>
+      </p:nvGrpSpPr>
+      <p:grpSpPr>
+        <a:xfrm>
+          <a:off x="0" y="0"/>
+          <a:ext cx="0" cy="0"/>
+          <a:chOff x="0" y="0"/>
+          <a:chExt cx="0" cy="0"/>
+        </a:xfrm>
+      </p:grpSpPr>
+      <p:sp>
+        <p:nvSpPr>
+          <p:cNvPr id="2" name="Title 1"/>
+          <p:cNvSpPr>
+            <a:spLocks noGrp="1"/>
+          </p:cNvSpPr>
+          <p:nvPr>
+            <p:ph type="title"/>
+          </p:nvPr>
+        </p:nvSpPr>
+        <p:spPr>
+          <a:xfrm>
+            <a:off x="838200" y="365126"/>
+            <a:ext cx="10515600" cy="981894"/>
+          </a:xfrm>
+        </p:spPr>
+        <p:txBody>
+          <a:bodyPr>
+            <a:normAutofit/>
+          </a:bodyPr>
+          <a:lstStyle/>
+          <a:p>
+            <a:r>
+              <a:rPr lang="en-US" dirty="0"/>
+              <a:t>False Discovery Rate </a:t>
+            </a:r>
+          </a:p>
+        </p:txBody>
+      </p:sp>
+      <p:pic>
+        <p:nvPicPr>
+          <p:cNvPr id="8" name="Picture 7">
+            <a:extLst>
+              <a:ext uri="{FF2B5EF4-FFF2-40B4-BE49-F238E27FC236}">
+                <a16:creationId xmlns:a16="http://schemas.microsoft.com/office/drawing/2014/main" id="{E5AD9827-6B6F-0FBC-07B6-713AAD85A578}"/>
+              </a:ext>
+            </a:extLst>
+          </p:cNvPr>
+          <p:cNvPicPr>
+            <a:picLocks noChangeAspect="1"/>
+          </p:cNvPicPr>
+          <p:nvPr/>
+        </p:nvPicPr>
+        <p:blipFill>
+          <a:blip r:embed="rId3"/>
+          <a:stretch>
+            <a:fillRect/>
+          </a:stretch>
+        </p:blipFill>
+        <p:spPr>
+          <a:xfrm>
+            <a:off x="838199" y="1767935"/>
+            <a:ext cx="9248113" cy="1846122"/>
+          </a:xfrm>
+          <a:prstGeom prst="rect">
+            <a:avLst/>
+          </a:prstGeom>
+        </p:spPr>
+      </p:pic>
+      <p:pic>
+        <p:nvPicPr>
+          <p:cNvPr id="9" name="Picture 8">
+            <a:extLst>
+              <a:ext uri="{FF2B5EF4-FFF2-40B4-BE49-F238E27FC236}">
+                <a16:creationId xmlns:a16="http://schemas.microsoft.com/office/drawing/2014/main" id="{D2742D0C-F28F-15C6-7D93-38B7554F7465}"/>
+              </a:ext>
+            </a:extLst>
+          </p:cNvPr>
+          <p:cNvPicPr>
+            <a:picLocks noChangeAspect="1"/>
+          </p:cNvPicPr>
+          <p:nvPr/>
+        </p:nvPicPr>
+        <p:blipFill>
+          <a:blip r:embed="rId4"/>
+          <a:stretch>
+            <a:fillRect/>
+          </a:stretch>
+        </p:blipFill>
+        <p:spPr>
+          <a:xfrm>
+            <a:off x="961570" y="4335772"/>
+            <a:ext cx="9911253" cy="981893"/>
+          </a:xfrm>
+          <a:prstGeom prst="rect">
+            <a:avLst/>
+          </a:prstGeom>
+        </p:spPr>
+      </p:pic>
+    </p:spTree>
+    <p:extLst>
+      <p:ext uri="{BB962C8B-B14F-4D97-AF65-F5344CB8AC3E}">
+        <p14:creationId xmlns:p14="http://schemas.microsoft.com/office/powerpoint/2010/main" val="2782179550"/>
+      </p:ext>
+    </p:extLst>
+  </p:cSld>
+  <p:clrMapOvr>
+    <a:masterClrMapping/>
+  </p:clrMapOvr>
+</p:sld>
+</file>
+
+<file path=ppt/slides/slide19.xml><?xml version="1.0" encoding="utf-8"?>
+<p:sld xmlns:a="http://schemas.openxmlformats.org/drawingml/2006/main" xmlns:r="http://schemas.openxmlformats.org/officeDocument/2006/relationships" xmlns:p="http://schemas.openxmlformats.org/presentationml/2006/main">
+  <p:cSld>
+    <p:spTree>
+      <p:nvGrpSpPr>
+        <p:cNvPr id="1" name=""/>
+        <p:cNvGrpSpPr/>
+        <p:nvPr/>
+      </p:nvGrpSpPr>
+      <p:grpSpPr>
+        <a:xfrm>
+          <a:off x="0" y="0"/>
+          <a:ext cx="0" cy="0"/>
+          <a:chOff x="0" y="0"/>
+          <a:chExt cx="0" cy="0"/>
+        </a:xfrm>
+      </p:grpSpPr>
+      <p:sp>
+        <p:nvSpPr>
+          <p:cNvPr id="2" name="Title 1"/>
+          <p:cNvSpPr>
+            <a:spLocks noGrp="1"/>
+          </p:cNvSpPr>
+          <p:nvPr>
+            <p:ph type="title"/>
+          </p:nvPr>
+        </p:nvSpPr>
+        <p:spPr>
+          <a:xfrm>
+            <a:off x="838200" y="365126"/>
+            <a:ext cx="10515600" cy="981894"/>
+          </a:xfrm>
+        </p:spPr>
+        <p:txBody>
+          <a:bodyPr>
+            <a:normAutofit/>
+          </a:bodyPr>
+          <a:lstStyle/>
+          <a:p>
+            <a:r>
+              <a:rPr lang="en-US" dirty="0"/>
+              <a:t>False Discovery Rate </a:t>
+            </a:r>
+          </a:p>
+        </p:txBody>
+      </p:sp>
+      <p:pic>
+        <p:nvPicPr>
+          <p:cNvPr id="3" name="Picture 2">
+            <a:extLst>
+              <a:ext uri="{FF2B5EF4-FFF2-40B4-BE49-F238E27FC236}">
+                <a16:creationId xmlns:a16="http://schemas.microsoft.com/office/drawing/2014/main" id="{E7FD9E6F-47AB-78F8-04BC-1D2A31DEE8B1}"/>
+              </a:ext>
+            </a:extLst>
+          </p:cNvPr>
+          <p:cNvPicPr>
+            <a:picLocks noChangeAspect="1"/>
+          </p:cNvPicPr>
+          <p:nvPr/>
+        </p:nvPicPr>
+        <p:blipFill>
+          <a:blip r:embed="rId3"/>
+          <a:stretch>
+            <a:fillRect/>
+          </a:stretch>
+        </p:blipFill>
+        <p:spPr>
+          <a:xfrm>
+            <a:off x="838200" y="1868341"/>
+            <a:ext cx="9911253" cy="981893"/>
+          </a:xfrm>
+          <a:prstGeom prst="rect">
+            <a:avLst/>
+          </a:prstGeom>
+        </p:spPr>
+      </p:pic>
+      <p:pic>
+        <p:nvPicPr>
+          <p:cNvPr id="5" name="Picture 4">
+            <a:extLst>
+              <a:ext uri="{FF2B5EF4-FFF2-40B4-BE49-F238E27FC236}">
+                <a16:creationId xmlns:a16="http://schemas.microsoft.com/office/drawing/2014/main" id="{C59EE5E5-192F-4A4F-90A2-27EBE9F48A9A}"/>
+              </a:ext>
+            </a:extLst>
+          </p:cNvPr>
+          <p:cNvPicPr>
+            <a:picLocks noChangeAspect="1"/>
+          </p:cNvPicPr>
+          <p:nvPr/>
+        </p:nvPicPr>
+        <p:blipFill>
+          <a:blip r:embed="rId4"/>
+          <a:stretch>
+            <a:fillRect/>
+          </a:stretch>
+        </p:blipFill>
+        <p:spPr>
+          <a:xfrm>
+            <a:off x="1907626" y="4679291"/>
+            <a:ext cx="7772400" cy="1273133"/>
+          </a:xfrm>
+          <a:prstGeom prst="rect">
+            <a:avLst/>
+          </a:prstGeom>
+        </p:spPr>
+      </p:pic>
+      <p:pic>
+        <p:nvPicPr>
+          <p:cNvPr id="6" name="Picture 5">
+            <a:extLst>
+              <a:ext uri="{FF2B5EF4-FFF2-40B4-BE49-F238E27FC236}">
+                <a16:creationId xmlns:a16="http://schemas.microsoft.com/office/drawing/2014/main" id="{67CB7C7B-7EF1-7162-27D8-6D60723EF384}"/>
+              </a:ext>
+            </a:extLst>
+          </p:cNvPr>
+          <p:cNvPicPr>
+            <a:picLocks noChangeAspect="1"/>
+          </p:cNvPicPr>
+          <p:nvPr/>
+        </p:nvPicPr>
+        <p:blipFill>
+          <a:blip r:embed="rId5"/>
+          <a:stretch>
+            <a:fillRect/>
+          </a:stretch>
+        </p:blipFill>
+        <p:spPr>
+          <a:xfrm>
+            <a:off x="838200" y="3550478"/>
+            <a:ext cx="7772400" cy="495107"/>
+          </a:xfrm>
+          <a:prstGeom prst="rect">
+            <a:avLst/>
+          </a:prstGeom>
+        </p:spPr>
+      </p:pic>
+    </p:spTree>
+    <p:extLst>
+      <p:ext uri="{BB962C8B-B14F-4D97-AF65-F5344CB8AC3E}">
+        <p14:creationId xmlns:p14="http://schemas.microsoft.com/office/powerpoint/2010/main" val="570925224"/>
       </p:ext>
     </p:extLst>
   </p:cSld>
@@ -5272,6 +7497,312 @@
     <p:extLst>
       <p:ext uri="{BB962C8B-B14F-4D97-AF65-F5344CB8AC3E}">
         <p14:creationId xmlns:p14="http://schemas.microsoft.com/office/powerpoint/2010/main" val="2016356908"/>
+      </p:ext>
+    </p:extLst>
+  </p:cSld>
+  <p:clrMapOvr>
+    <a:masterClrMapping/>
+  </p:clrMapOvr>
+</p:sld>
+</file>
+
+<file path=ppt/slides/slide20.xml><?xml version="1.0" encoding="utf-8"?>
+<p:sld xmlns:a="http://schemas.openxmlformats.org/drawingml/2006/main" xmlns:r="http://schemas.openxmlformats.org/officeDocument/2006/relationships" xmlns:p="http://schemas.openxmlformats.org/presentationml/2006/main">
+  <p:cSld>
+    <p:spTree>
+      <p:nvGrpSpPr>
+        <p:cNvPr id="1" name=""/>
+        <p:cNvGrpSpPr/>
+        <p:nvPr/>
+      </p:nvGrpSpPr>
+      <p:grpSpPr>
+        <a:xfrm>
+          <a:off x="0" y="0"/>
+          <a:ext cx="0" cy="0"/>
+          <a:chOff x="0" y="0"/>
+          <a:chExt cx="0" cy="0"/>
+        </a:xfrm>
+      </p:grpSpPr>
+      <p:sp>
+        <p:nvSpPr>
+          <p:cNvPr id="2" name="Title 1"/>
+          <p:cNvSpPr>
+            <a:spLocks noGrp="1"/>
+          </p:cNvSpPr>
+          <p:nvPr>
+            <p:ph type="title"/>
+          </p:nvPr>
+        </p:nvSpPr>
+        <p:spPr>
+          <a:xfrm>
+            <a:off x="838200" y="365126"/>
+            <a:ext cx="10515600" cy="981894"/>
+          </a:xfrm>
+        </p:spPr>
+        <p:txBody>
+          <a:bodyPr>
+            <a:normAutofit fontScale="90000"/>
+          </a:bodyPr>
+          <a:lstStyle/>
+          <a:p>
+            <a:r>
+              <a:rPr lang="en-US" dirty="0" err="1"/>
+              <a:t>Benjamini</a:t>
+            </a:r>
+            <a:r>
+              <a:rPr lang="en-US" dirty="0"/>
+              <a:t>-Hochberg Procedure to Control FDR  </a:t>
+            </a:r>
+          </a:p>
+        </p:txBody>
+      </p:sp>
+      <p:pic>
+        <p:nvPicPr>
+          <p:cNvPr id="4" name="Picture 3">
+            <a:extLst>
+              <a:ext uri="{FF2B5EF4-FFF2-40B4-BE49-F238E27FC236}">
+                <a16:creationId xmlns:a16="http://schemas.microsoft.com/office/drawing/2014/main" id="{01E124C6-7532-9A4A-0EBB-FADB20E5EEAA}"/>
+              </a:ext>
+            </a:extLst>
+          </p:cNvPr>
+          <p:cNvPicPr>
+            <a:picLocks noChangeAspect="1"/>
+          </p:cNvPicPr>
+          <p:nvPr/>
+        </p:nvPicPr>
+        <p:blipFill>
+          <a:blip r:embed="rId3"/>
+          <a:stretch>
+            <a:fillRect/>
+          </a:stretch>
+        </p:blipFill>
+        <p:spPr>
+          <a:xfrm>
+            <a:off x="838199" y="1688893"/>
+            <a:ext cx="8418641" cy="536273"/>
+          </a:xfrm>
+          <a:prstGeom prst="rect">
+            <a:avLst/>
+          </a:prstGeom>
+        </p:spPr>
+      </p:pic>
+      <p:pic>
+        <p:nvPicPr>
+          <p:cNvPr id="7" name="Picture 6">
+            <a:extLst>
+              <a:ext uri="{FF2B5EF4-FFF2-40B4-BE49-F238E27FC236}">
+                <a16:creationId xmlns:a16="http://schemas.microsoft.com/office/drawing/2014/main" id="{1BA85514-8AE3-D7D9-9F3E-DC9E15BC310E}"/>
+              </a:ext>
+            </a:extLst>
+          </p:cNvPr>
+          <p:cNvPicPr>
+            <a:picLocks noChangeAspect="1"/>
+          </p:cNvPicPr>
+          <p:nvPr/>
+        </p:nvPicPr>
+        <p:blipFill>
+          <a:blip r:embed="rId4"/>
+          <a:stretch>
+            <a:fillRect/>
+          </a:stretch>
+        </p:blipFill>
+        <p:spPr>
+          <a:xfrm>
+            <a:off x="838199" y="2698996"/>
+            <a:ext cx="9019516" cy="981893"/>
+          </a:xfrm>
+          <a:prstGeom prst="rect">
+            <a:avLst/>
+          </a:prstGeom>
+        </p:spPr>
+      </p:pic>
+      <p:pic>
+        <p:nvPicPr>
+          <p:cNvPr id="8" name="Picture 7">
+            <a:extLst>
+              <a:ext uri="{FF2B5EF4-FFF2-40B4-BE49-F238E27FC236}">
+                <a16:creationId xmlns:a16="http://schemas.microsoft.com/office/drawing/2014/main" id="{BDFC87AE-295C-4534-6898-3E202329E5DF}"/>
+              </a:ext>
+            </a:extLst>
+          </p:cNvPr>
+          <p:cNvPicPr>
+            <a:picLocks noChangeAspect="1"/>
+          </p:cNvPicPr>
+          <p:nvPr/>
+        </p:nvPicPr>
+        <p:blipFill>
+          <a:blip r:embed="rId5"/>
+          <a:stretch>
+            <a:fillRect/>
+          </a:stretch>
+        </p:blipFill>
+        <p:spPr>
+          <a:xfrm>
+            <a:off x="838199" y="4289451"/>
+            <a:ext cx="9451558" cy="610072"/>
+          </a:xfrm>
+          <a:prstGeom prst="rect">
+            <a:avLst/>
+          </a:prstGeom>
+        </p:spPr>
+      </p:pic>
+    </p:spTree>
+    <p:extLst>
+      <p:ext uri="{BB962C8B-B14F-4D97-AF65-F5344CB8AC3E}">
+        <p14:creationId xmlns:p14="http://schemas.microsoft.com/office/powerpoint/2010/main" val="4195451937"/>
+      </p:ext>
+    </p:extLst>
+  </p:cSld>
+  <p:clrMapOvr>
+    <a:masterClrMapping/>
+  </p:clrMapOvr>
+</p:sld>
+</file>
+
+<file path=ppt/slides/slide21.xml><?xml version="1.0" encoding="utf-8"?>
+<p:sld xmlns:a="http://schemas.openxmlformats.org/drawingml/2006/main" xmlns:r="http://schemas.openxmlformats.org/officeDocument/2006/relationships" xmlns:p="http://schemas.openxmlformats.org/presentationml/2006/main">
+  <p:cSld>
+    <p:spTree>
+      <p:nvGrpSpPr>
+        <p:cNvPr id="1" name=""/>
+        <p:cNvGrpSpPr/>
+        <p:nvPr/>
+      </p:nvGrpSpPr>
+      <p:grpSpPr>
+        <a:xfrm>
+          <a:off x="0" y="0"/>
+          <a:ext cx="0" cy="0"/>
+          <a:chOff x="0" y="0"/>
+          <a:chExt cx="0" cy="0"/>
+        </a:xfrm>
+      </p:grpSpPr>
+      <p:sp>
+        <p:nvSpPr>
+          <p:cNvPr id="2" name="Title 1"/>
+          <p:cNvSpPr>
+            <a:spLocks noGrp="1"/>
+          </p:cNvSpPr>
+          <p:nvPr>
+            <p:ph type="title"/>
+          </p:nvPr>
+        </p:nvSpPr>
+        <p:spPr>
+          <a:xfrm>
+            <a:off x="838200" y="365126"/>
+            <a:ext cx="10515600" cy="981894"/>
+          </a:xfrm>
+        </p:spPr>
+        <p:txBody>
+          <a:bodyPr>
+            <a:normAutofit fontScale="90000"/>
+          </a:bodyPr>
+          <a:lstStyle/>
+          <a:p>
+            <a:r>
+              <a:rPr lang="en-US" dirty="0" err="1"/>
+              <a:t>Benjamini</a:t>
+            </a:r>
+            <a:r>
+              <a:rPr lang="en-US" dirty="0"/>
+              <a:t>-Hochberg Procedure to Control FDR  </a:t>
+            </a:r>
+          </a:p>
+        </p:txBody>
+      </p:sp>
+      <p:pic>
+        <p:nvPicPr>
+          <p:cNvPr id="9" name="Picture 8">
+            <a:extLst>
+              <a:ext uri="{FF2B5EF4-FFF2-40B4-BE49-F238E27FC236}">
+                <a16:creationId xmlns:a16="http://schemas.microsoft.com/office/drawing/2014/main" id="{C6140610-06AB-61D6-454A-A1AEF68BBA83}"/>
+              </a:ext>
+            </a:extLst>
+          </p:cNvPr>
+          <p:cNvPicPr>
+            <a:picLocks noChangeAspect="1"/>
+          </p:cNvPicPr>
+          <p:nvPr/>
+        </p:nvPicPr>
+        <p:blipFill>
+          <a:blip r:embed="rId3"/>
+          <a:stretch>
+            <a:fillRect/>
+          </a:stretch>
+        </p:blipFill>
+        <p:spPr>
+          <a:xfrm>
+            <a:off x="1000245" y="2064472"/>
+            <a:ext cx="6002440" cy="581161"/>
+          </a:xfrm>
+          <a:prstGeom prst="rect">
+            <a:avLst/>
+          </a:prstGeom>
+        </p:spPr>
+      </p:pic>
+      <p:pic>
+        <p:nvPicPr>
+          <p:cNvPr id="10" name="Picture 9">
+            <a:extLst>
+              <a:ext uri="{FF2B5EF4-FFF2-40B4-BE49-F238E27FC236}">
+                <a16:creationId xmlns:a16="http://schemas.microsoft.com/office/drawing/2014/main" id="{582D1798-26AF-0163-F162-A986098861F2}"/>
+              </a:ext>
+            </a:extLst>
+          </p:cNvPr>
+          <p:cNvPicPr>
+            <a:picLocks noChangeAspect="1"/>
+          </p:cNvPicPr>
+          <p:nvPr/>
+        </p:nvPicPr>
+        <p:blipFill>
+          <a:blip r:embed="rId4"/>
+          <a:stretch>
+            <a:fillRect/>
+          </a:stretch>
+        </p:blipFill>
+        <p:spPr>
+          <a:xfrm>
+            <a:off x="1000245" y="3135302"/>
+            <a:ext cx="8158269" cy="587395"/>
+          </a:xfrm>
+          <a:prstGeom prst="rect">
+            <a:avLst/>
+          </a:prstGeom>
+        </p:spPr>
+      </p:pic>
+      <p:pic>
+        <p:nvPicPr>
+          <p:cNvPr id="11" name="Picture 10">
+            <a:extLst>
+              <a:ext uri="{FF2B5EF4-FFF2-40B4-BE49-F238E27FC236}">
+                <a16:creationId xmlns:a16="http://schemas.microsoft.com/office/drawing/2014/main" id="{D86EF1F1-6297-AAEB-4EE3-76653ABC79D6}"/>
+              </a:ext>
+            </a:extLst>
+          </p:cNvPr>
+          <p:cNvPicPr>
+            <a:picLocks noChangeAspect="1"/>
+          </p:cNvPicPr>
+          <p:nvPr/>
+        </p:nvPicPr>
+        <p:blipFill>
+          <a:blip r:embed="rId5"/>
+          <a:stretch>
+            <a:fillRect/>
+          </a:stretch>
+        </p:blipFill>
+        <p:spPr>
+          <a:xfrm>
+            <a:off x="1145388" y="4276125"/>
+            <a:ext cx="3063755" cy="684948"/>
+          </a:xfrm>
+          <a:prstGeom prst="rect">
+            <a:avLst/>
+          </a:prstGeom>
+        </p:spPr>
+      </p:pic>
+    </p:spTree>
+    <p:extLst>
+      <p:ext uri="{BB962C8B-B14F-4D97-AF65-F5344CB8AC3E}">
+        <p14:creationId xmlns:p14="http://schemas.microsoft.com/office/powerpoint/2010/main" val="1849459411"/>
       </p:ext>
     </p:extLst>
   </p:cSld>

--- a/_umkc-teaching/slides/Lecture13.pptx
+++ b/_umkc-teaching/slides/Lecture13.pptx
@@ -5,7 +5,7 @@
     <p:sldMasterId id="2147483660" r:id="rId1"/>
   </p:sldMasterIdLst>
   <p:notesMasterIdLst>
-    <p:notesMasterId r:id="rId23"/>
+    <p:notesMasterId r:id="rId27"/>
   </p:notesMasterIdLst>
   <p:sldIdLst>
     <p:sldId id="257" r:id="rId2"/>
@@ -28,7 +28,11 @@
     <p:sldId id="465" r:id="rId19"/>
     <p:sldId id="466" r:id="rId20"/>
     <p:sldId id="468" r:id="rId21"/>
-    <p:sldId id="467" r:id="rId22"/>
+    <p:sldId id="472" r:id="rId22"/>
+    <p:sldId id="467" r:id="rId23"/>
+    <p:sldId id="469" r:id="rId24"/>
+    <p:sldId id="470" r:id="rId25"/>
+    <p:sldId id="471" r:id="rId26"/>
   </p:sldIdLst>
   <p:sldSz cx="12192000" cy="6858000"/>
   <p:notesSz cx="6858000" cy="9144000"/>
@@ -1631,7 +1635,363 @@
     </p:spTree>
     <p:extLst>
       <p:ext uri="{BB962C8B-B14F-4D97-AF65-F5344CB8AC3E}">
+        <p14:creationId xmlns:p14="http://schemas.microsoft.com/office/powerpoint/2010/main" val="3849791740"/>
+      </p:ext>
+    </p:extLst>
+  </p:cSld>
+  <p:clrMapOvr>
+    <a:masterClrMapping/>
+  </p:clrMapOvr>
+</p:notes>
+</file>
+
+<file path=ppt/notesSlides/notesSlide21.xml><?xml version="1.0" encoding="utf-8"?>
+<p:notes xmlns:a="http://schemas.openxmlformats.org/drawingml/2006/main" xmlns:r="http://schemas.openxmlformats.org/officeDocument/2006/relationships" xmlns:p="http://schemas.openxmlformats.org/presentationml/2006/main">
+  <p:cSld>
+    <p:spTree>
+      <p:nvGrpSpPr>
+        <p:cNvPr id="1" name=""/>
+        <p:cNvGrpSpPr/>
+        <p:nvPr/>
+      </p:nvGrpSpPr>
+      <p:grpSpPr>
+        <a:xfrm>
+          <a:off x="0" y="0"/>
+          <a:ext cx="0" cy="0"/>
+          <a:chOff x="0" y="0"/>
+          <a:chExt cx="0" cy="0"/>
+        </a:xfrm>
+      </p:grpSpPr>
+      <p:sp>
+        <p:nvSpPr>
+          <p:cNvPr id="2" name="Slide Image Placeholder 1"/>
+          <p:cNvSpPr>
+            <a:spLocks noGrp="1" noRot="1" noChangeAspect="1"/>
+          </p:cNvSpPr>
+          <p:nvPr>
+            <p:ph type="sldImg"/>
+          </p:nvPr>
+        </p:nvSpPr>
+        <p:spPr>
+          <a:xfrm>
+            <a:off x="685800" y="1143000"/>
+            <a:ext cx="5486400" cy="3086100"/>
+          </a:xfrm>
+        </p:spPr>
+      </p:sp>
+      <p:sp>
+        <p:nvSpPr>
+          <p:cNvPr id="3" name="Notes Placeholder 2"/>
+          <p:cNvSpPr>
+            <a:spLocks noGrp="1"/>
+          </p:cNvSpPr>
+          <p:nvPr>
+            <p:ph type="body" idx="1"/>
+          </p:nvPr>
+        </p:nvSpPr>
+        <p:spPr/>
+        <p:txBody>
+          <a:bodyPr/>
+          <a:lstStyle/>
+          <a:p>
+            <a:endParaRPr lang="en-US" dirty="0"/>
+          </a:p>
+        </p:txBody>
+      </p:sp>
+      <p:sp>
+        <p:nvSpPr>
+          <p:cNvPr id="4" name="Slide Number Placeholder 3"/>
+          <p:cNvSpPr>
+            <a:spLocks noGrp="1"/>
+          </p:cNvSpPr>
+          <p:nvPr>
+            <p:ph type="sldNum" sz="quarter" idx="5"/>
+          </p:nvPr>
+        </p:nvSpPr>
+        <p:spPr/>
+        <p:txBody>
+          <a:bodyPr/>
+          <a:lstStyle/>
+          <a:p>
+            <a:fld id="{3F8BDF20-BE86-4883-8A23-4CE3D0058BEA}" type="slidenum">
+              <a:rPr lang="en-US" smtClean="0"/>
+              <a:t>22</a:t>
+            </a:fld>
+            <a:endParaRPr lang="en-US"/>
+          </a:p>
+        </p:txBody>
+      </p:sp>
+    </p:spTree>
+    <p:extLst>
+      <p:ext uri="{BB962C8B-B14F-4D97-AF65-F5344CB8AC3E}">
         <p14:creationId xmlns:p14="http://schemas.microsoft.com/office/powerpoint/2010/main" val="2868337312"/>
+      </p:ext>
+    </p:extLst>
+  </p:cSld>
+  <p:clrMapOvr>
+    <a:masterClrMapping/>
+  </p:clrMapOvr>
+</p:notes>
+</file>
+
+<file path=ppt/notesSlides/notesSlide22.xml><?xml version="1.0" encoding="utf-8"?>
+<p:notes xmlns:a="http://schemas.openxmlformats.org/drawingml/2006/main" xmlns:r="http://schemas.openxmlformats.org/officeDocument/2006/relationships" xmlns:p="http://schemas.openxmlformats.org/presentationml/2006/main">
+  <p:cSld>
+    <p:spTree>
+      <p:nvGrpSpPr>
+        <p:cNvPr id="1" name=""/>
+        <p:cNvGrpSpPr/>
+        <p:nvPr/>
+      </p:nvGrpSpPr>
+      <p:grpSpPr>
+        <a:xfrm>
+          <a:off x="0" y="0"/>
+          <a:ext cx="0" cy="0"/>
+          <a:chOff x="0" y="0"/>
+          <a:chExt cx="0" cy="0"/>
+        </a:xfrm>
+      </p:grpSpPr>
+      <p:sp>
+        <p:nvSpPr>
+          <p:cNvPr id="2" name="Slide Image Placeholder 1"/>
+          <p:cNvSpPr>
+            <a:spLocks noGrp="1" noRot="1" noChangeAspect="1"/>
+          </p:cNvSpPr>
+          <p:nvPr>
+            <p:ph type="sldImg"/>
+          </p:nvPr>
+        </p:nvSpPr>
+        <p:spPr>
+          <a:xfrm>
+            <a:off x="685800" y="1143000"/>
+            <a:ext cx="5486400" cy="3086100"/>
+          </a:xfrm>
+        </p:spPr>
+      </p:sp>
+      <p:sp>
+        <p:nvSpPr>
+          <p:cNvPr id="3" name="Notes Placeholder 2"/>
+          <p:cNvSpPr>
+            <a:spLocks noGrp="1"/>
+          </p:cNvSpPr>
+          <p:nvPr>
+            <p:ph type="body" idx="1"/>
+          </p:nvPr>
+        </p:nvSpPr>
+        <p:spPr/>
+        <p:txBody>
+          <a:bodyPr/>
+          <a:lstStyle/>
+          <a:p>
+            <a:endParaRPr lang="en-US" dirty="0"/>
+          </a:p>
+        </p:txBody>
+      </p:sp>
+      <p:sp>
+        <p:nvSpPr>
+          <p:cNvPr id="4" name="Slide Number Placeholder 3"/>
+          <p:cNvSpPr>
+            <a:spLocks noGrp="1"/>
+          </p:cNvSpPr>
+          <p:nvPr>
+            <p:ph type="sldNum" sz="quarter" idx="5"/>
+          </p:nvPr>
+        </p:nvSpPr>
+        <p:spPr/>
+        <p:txBody>
+          <a:bodyPr/>
+          <a:lstStyle/>
+          <a:p>
+            <a:fld id="{3F8BDF20-BE86-4883-8A23-4CE3D0058BEA}" type="slidenum">
+              <a:rPr lang="en-US" smtClean="0"/>
+              <a:t>23</a:t>
+            </a:fld>
+            <a:endParaRPr lang="en-US"/>
+          </a:p>
+        </p:txBody>
+      </p:sp>
+    </p:spTree>
+    <p:extLst>
+      <p:ext uri="{BB962C8B-B14F-4D97-AF65-F5344CB8AC3E}">
+        <p14:creationId xmlns:p14="http://schemas.microsoft.com/office/powerpoint/2010/main" val="157992009"/>
+      </p:ext>
+    </p:extLst>
+  </p:cSld>
+  <p:clrMapOvr>
+    <a:masterClrMapping/>
+  </p:clrMapOvr>
+</p:notes>
+</file>
+
+<file path=ppt/notesSlides/notesSlide23.xml><?xml version="1.0" encoding="utf-8"?>
+<p:notes xmlns:a="http://schemas.openxmlformats.org/drawingml/2006/main" xmlns:r="http://schemas.openxmlformats.org/officeDocument/2006/relationships" xmlns:p="http://schemas.openxmlformats.org/presentationml/2006/main">
+  <p:cSld>
+    <p:spTree>
+      <p:nvGrpSpPr>
+        <p:cNvPr id="1" name=""/>
+        <p:cNvGrpSpPr/>
+        <p:nvPr/>
+      </p:nvGrpSpPr>
+      <p:grpSpPr>
+        <a:xfrm>
+          <a:off x="0" y="0"/>
+          <a:ext cx="0" cy="0"/>
+          <a:chOff x="0" y="0"/>
+          <a:chExt cx="0" cy="0"/>
+        </a:xfrm>
+      </p:grpSpPr>
+      <p:sp>
+        <p:nvSpPr>
+          <p:cNvPr id="2" name="Slide Image Placeholder 1"/>
+          <p:cNvSpPr>
+            <a:spLocks noGrp="1" noRot="1" noChangeAspect="1"/>
+          </p:cNvSpPr>
+          <p:nvPr>
+            <p:ph type="sldImg"/>
+          </p:nvPr>
+        </p:nvSpPr>
+        <p:spPr>
+          <a:xfrm>
+            <a:off x="685800" y="1143000"/>
+            <a:ext cx="5486400" cy="3086100"/>
+          </a:xfrm>
+        </p:spPr>
+      </p:sp>
+      <p:sp>
+        <p:nvSpPr>
+          <p:cNvPr id="3" name="Notes Placeholder 2"/>
+          <p:cNvSpPr>
+            <a:spLocks noGrp="1"/>
+          </p:cNvSpPr>
+          <p:nvPr>
+            <p:ph type="body" idx="1"/>
+          </p:nvPr>
+        </p:nvSpPr>
+        <p:spPr/>
+        <p:txBody>
+          <a:bodyPr/>
+          <a:lstStyle/>
+          <a:p>
+            <a:endParaRPr lang="en-US" dirty="0"/>
+          </a:p>
+        </p:txBody>
+      </p:sp>
+      <p:sp>
+        <p:nvSpPr>
+          <p:cNvPr id="4" name="Slide Number Placeholder 3"/>
+          <p:cNvSpPr>
+            <a:spLocks noGrp="1"/>
+          </p:cNvSpPr>
+          <p:nvPr>
+            <p:ph type="sldNum" sz="quarter" idx="5"/>
+          </p:nvPr>
+        </p:nvSpPr>
+        <p:spPr/>
+        <p:txBody>
+          <a:bodyPr/>
+          <a:lstStyle/>
+          <a:p>
+            <a:fld id="{3F8BDF20-BE86-4883-8A23-4CE3D0058BEA}" type="slidenum">
+              <a:rPr lang="en-US" smtClean="0"/>
+              <a:t>24</a:t>
+            </a:fld>
+            <a:endParaRPr lang="en-US"/>
+          </a:p>
+        </p:txBody>
+      </p:sp>
+    </p:spTree>
+    <p:extLst>
+      <p:ext uri="{BB962C8B-B14F-4D97-AF65-F5344CB8AC3E}">
+        <p14:creationId xmlns:p14="http://schemas.microsoft.com/office/powerpoint/2010/main" val="3332473391"/>
+      </p:ext>
+    </p:extLst>
+  </p:cSld>
+  <p:clrMapOvr>
+    <a:masterClrMapping/>
+  </p:clrMapOvr>
+</p:notes>
+</file>
+
+<file path=ppt/notesSlides/notesSlide24.xml><?xml version="1.0" encoding="utf-8"?>
+<p:notes xmlns:a="http://schemas.openxmlformats.org/drawingml/2006/main" xmlns:r="http://schemas.openxmlformats.org/officeDocument/2006/relationships" xmlns:p="http://schemas.openxmlformats.org/presentationml/2006/main">
+  <p:cSld>
+    <p:spTree>
+      <p:nvGrpSpPr>
+        <p:cNvPr id="1" name=""/>
+        <p:cNvGrpSpPr/>
+        <p:nvPr/>
+      </p:nvGrpSpPr>
+      <p:grpSpPr>
+        <a:xfrm>
+          <a:off x="0" y="0"/>
+          <a:ext cx="0" cy="0"/>
+          <a:chOff x="0" y="0"/>
+          <a:chExt cx="0" cy="0"/>
+        </a:xfrm>
+      </p:grpSpPr>
+      <p:sp>
+        <p:nvSpPr>
+          <p:cNvPr id="2" name="Slide Image Placeholder 1"/>
+          <p:cNvSpPr>
+            <a:spLocks noGrp="1" noRot="1" noChangeAspect="1"/>
+          </p:cNvSpPr>
+          <p:nvPr>
+            <p:ph type="sldImg"/>
+          </p:nvPr>
+        </p:nvSpPr>
+        <p:spPr>
+          <a:xfrm>
+            <a:off x="685800" y="1143000"/>
+            <a:ext cx="5486400" cy="3086100"/>
+          </a:xfrm>
+        </p:spPr>
+      </p:sp>
+      <p:sp>
+        <p:nvSpPr>
+          <p:cNvPr id="3" name="Notes Placeholder 2"/>
+          <p:cNvSpPr>
+            <a:spLocks noGrp="1"/>
+          </p:cNvSpPr>
+          <p:nvPr>
+            <p:ph type="body" idx="1"/>
+          </p:nvPr>
+        </p:nvSpPr>
+        <p:spPr/>
+        <p:txBody>
+          <a:bodyPr/>
+          <a:lstStyle/>
+          <a:p>
+            <a:endParaRPr lang="en-US" dirty="0"/>
+          </a:p>
+        </p:txBody>
+      </p:sp>
+      <p:sp>
+        <p:nvSpPr>
+          <p:cNvPr id="4" name="Slide Number Placeholder 3"/>
+          <p:cNvSpPr>
+            <a:spLocks noGrp="1"/>
+          </p:cNvSpPr>
+          <p:nvPr>
+            <p:ph type="sldNum" sz="quarter" idx="5"/>
+          </p:nvPr>
+        </p:nvSpPr>
+        <p:spPr/>
+        <p:txBody>
+          <a:bodyPr/>
+          <a:lstStyle/>
+          <a:p>
+            <a:fld id="{3F8BDF20-BE86-4883-8A23-4CE3D0058BEA}" type="slidenum">
+              <a:rPr lang="en-US" smtClean="0"/>
+              <a:t>25</a:t>
+            </a:fld>
+            <a:endParaRPr lang="en-US"/>
+          </a:p>
+        </p:txBody>
+      </p:sp>
+    </p:spTree>
+    <p:extLst>
+      <p:ext uri="{BB962C8B-B14F-4D97-AF65-F5344CB8AC3E}">
+        <p14:creationId xmlns:p14="http://schemas.microsoft.com/office/powerpoint/2010/main" val="967803758"/>
       </p:ext>
     </p:extLst>
   </p:cSld>
@@ -7694,27 +8054,193 @@
         </p:spPr>
         <p:txBody>
           <a:bodyPr>
-            <a:normAutofit fontScale="90000"/>
+            <a:normAutofit/>
           </a:bodyPr>
           <a:lstStyle/>
           <a:p>
             <a:r>
-              <a:rPr lang="en-US" dirty="0" err="1"/>
-              <a:t>Benjamini</a:t>
-            </a:r>
-            <a:r>
               <a:rPr lang="en-US" dirty="0"/>
-              <a:t>-Hochberg Procedure to Control FDR  </a:t>
+              <a:t>Re-Sampling</a:t>
+            </a:r>
+          </a:p>
+        </p:txBody>
+      </p:sp>
+      <p:sp>
+        <p:nvSpPr>
+          <p:cNvPr id="5" name="TextBox 4">
+            <a:extLst>
+              <a:ext uri="{FF2B5EF4-FFF2-40B4-BE49-F238E27FC236}">
+                <a16:creationId xmlns:a16="http://schemas.microsoft.com/office/drawing/2014/main" id="{1EBD6BA4-67A2-C31F-7600-65A0109CA018}"/>
+              </a:ext>
+            </a:extLst>
+          </p:cNvPr>
+          <p:cNvSpPr txBox="1"/>
+          <p:nvPr/>
+        </p:nvSpPr>
+        <p:spPr>
+          <a:xfrm>
+            <a:off x="838200" y="4862917"/>
+            <a:ext cx="9727558" cy="523220"/>
+          </a:xfrm>
+          <a:prstGeom prst="rect">
+            <a:avLst/>
+          </a:prstGeom>
+          <a:noFill/>
+        </p:spPr>
+        <p:txBody>
+          <a:bodyPr wrap="square">
+            <a:spAutoFit/>
+          </a:bodyPr>
+          <a:lstStyle/>
+          <a:p>
+            <a:r>
+              <a:rPr lang="en-US" altLang="zh-CN" sz="2800" dirty="0"/>
+              <a:t>What if this theoretical null distribution is unknown? </a:t>
+            </a:r>
+          </a:p>
+        </p:txBody>
+      </p:sp>
+      <p:sp>
+        <p:nvSpPr>
+          <p:cNvPr id="6" name="TextBox 5">
+            <a:extLst>
+              <a:ext uri="{FF2B5EF4-FFF2-40B4-BE49-F238E27FC236}">
+                <a16:creationId xmlns:a16="http://schemas.microsoft.com/office/drawing/2014/main" id="{9B3B1C65-E4B9-4BD9-2579-0F981E54ABCD}"/>
+              </a:ext>
+            </a:extLst>
+          </p:cNvPr>
+          <p:cNvSpPr txBox="1"/>
+          <p:nvPr/>
+        </p:nvSpPr>
+        <p:spPr>
+          <a:xfrm>
+            <a:off x="838200" y="1613118"/>
+            <a:ext cx="9727558" cy="1815882"/>
+          </a:xfrm>
+          <a:prstGeom prst="rect">
+            <a:avLst/>
+          </a:prstGeom>
+          <a:noFill/>
+        </p:spPr>
+        <p:txBody>
+          <a:bodyPr wrap="square">
+            <a:spAutoFit/>
+          </a:bodyPr>
+          <a:lstStyle/>
+          <a:p>
+            <a:r>
+              <a:rPr lang="en-US" altLang="zh-CN" sz="2800" dirty="0"/>
+              <a:t>So far, we have assumed that we want to test some null hypothesis H0 with some test statistic T, and that we know (or can assume) the distribution of T under H0. </a:t>
+            </a:r>
+          </a:p>
+          <a:p>
+            <a:r>
+              <a:rPr lang="en-US" altLang="zh-CN" sz="2800" dirty="0"/>
+              <a:t> </a:t>
+            </a:r>
+          </a:p>
+        </p:txBody>
+      </p:sp>
+      <p:sp>
+        <p:nvSpPr>
+          <p:cNvPr id="9" name="TextBox 8">
+            <a:extLst>
+              <a:ext uri="{FF2B5EF4-FFF2-40B4-BE49-F238E27FC236}">
+                <a16:creationId xmlns:a16="http://schemas.microsoft.com/office/drawing/2014/main" id="{4BDC6A2C-95CF-318C-78B6-28BA728DC9E7}"/>
+              </a:ext>
+            </a:extLst>
+          </p:cNvPr>
+          <p:cNvSpPr txBox="1"/>
+          <p:nvPr/>
+        </p:nvSpPr>
+        <p:spPr>
+          <a:xfrm>
+            <a:off x="838200" y="3695098"/>
+            <a:ext cx="9727558" cy="523220"/>
+          </a:xfrm>
+          <a:prstGeom prst="rect">
+            <a:avLst/>
+          </a:prstGeom>
+          <a:noFill/>
+        </p:spPr>
+        <p:txBody>
+          <a:bodyPr wrap="square">
+            <a:spAutoFit/>
+          </a:bodyPr>
+          <a:lstStyle/>
+          <a:p>
+            <a:r>
+              <a:rPr lang="en-US" altLang="zh-CN" sz="2800" dirty="0"/>
+              <a:t>This allows us to compute the p-value. </a:t>
+            </a:r>
+          </a:p>
+        </p:txBody>
+      </p:sp>
+    </p:spTree>
+    <p:extLst>
+      <p:ext uri="{BB962C8B-B14F-4D97-AF65-F5344CB8AC3E}">
+        <p14:creationId xmlns:p14="http://schemas.microsoft.com/office/powerpoint/2010/main" val="1679161607"/>
+      </p:ext>
+    </p:extLst>
+  </p:cSld>
+  <p:clrMapOvr>
+    <a:masterClrMapping/>
+  </p:clrMapOvr>
+</p:sld>
+</file>
+
+<file path=ppt/slides/slide22.xml><?xml version="1.0" encoding="utf-8"?>
+<p:sld xmlns:a="http://schemas.openxmlformats.org/drawingml/2006/main" xmlns:r="http://schemas.openxmlformats.org/officeDocument/2006/relationships" xmlns:p="http://schemas.openxmlformats.org/presentationml/2006/main">
+  <p:cSld>
+    <p:spTree>
+      <p:nvGrpSpPr>
+        <p:cNvPr id="1" name=""/>
+        <p:cNvGrpSpPr/>
+        <p:nvPr/>
+      </p:nvGrpSpPr>
+      <p:grpSpPr>
+        <a:xfrm>
+          <a:off x="0" y="0"/>
+          <a:ext cx="0" cy="0"/>
+          <a:chOff x="0" y="0"/>
+          <a:chExt cx="0" cy="0"/>
+        </a:xfrm>
+      </p:grpSpPr>
+      <p:sp>
+        <p:nvSpPr>
+          <p:cNvPr id="2" name="Title 1"/>
+          <p:cNvSpPr>
+            <a:spLocks noGrp="1"/>
+          </p:cNvSpPr>
+          <p:nvPr>
+            <p:ph type="title"/>
+          </p:nvPr>
+        </p:nvSpPr>
+        <p:spPr>
+          <a:xfrm>
+            <a:off x="838200" y="365126"/>
+            <a:ext cx="10515600" cy="981894"/>
+          </a:xfrm>
+        </p:spPr>
+        <p:txBody>
+          <a:bodyPr>
+            <a:normAutofit/>
+          </a:bodyPr>
+          <a:lstStyle/>
+          <a:p>
+            <a:r>
+              <a:rPr lang="en-US" dirty="0"/>
+              <a:t>Two-Sample t-Test </a:t>
             </a:r>
           </a:p>
         </p:txBody>
       </p:sp>
       <p:pic>
         <p:nvPicPr>
-          <p:cNvPr id="9" name="Picture 8">
+          <p:cNvPr id="12" name="Picture 11">
             <a:extLst>
               <a:ext uri="{FF2B5EF4-FFF2-40B4-BE49-F238E27FC236}">
-                <a16:creationId xmlns:a16="http://schemas.microsoft.com/office/drawing/2014/main" id="{C6140610-06AB-61D6-454A-A1AEF68BBA83}"/>
+                <a16:creationId xmlns:a16="http://schemas.microsoft.com/office/drawing/2014/main" id="{04DB2B47-980D-4357-FECF-618E6E3FD5A8}"/>
               </a:ext>
             </a:extLst>
           </p:cNvPr>
@@ -7731,8 +8257,8 @@
         </p:blipFill>
         <p:spPr>
           <a:xfrm>
-            <a:off x="1000245" y="2064472"/>
-            <a:ext cx="6002440" cy="581161"/>
+            <a:off x="996112" y="1925151"/>
+            <a:ext cx="9308160" cy="1369592"/>
           </a:xfrm>
           <a:prstGeom prst="rect">
             <a:avLst/>
@@ -7741,10 +8267,10 @@
       </p:pic>
       <p:pic>
         <p:nvPicPr>
-          <p:cNvPr id="10" name="Picture 9">
+          <p:cNvPr id="13" name="Picture 12">
             <a:extLst>
               <a:ext uri="{FF2B5EF4-FFF2-40B4-BE49-F238E27FC236}">
-                <a16:creationId xmlns:a16="http://schemas.microsoft.com/office/drawing/2014/main" id="{582D1798-26AF-0163-F162-A986098861F2}"/>
+                <a16:creationId xmlns:a16="http://schemas.microsoft.com/office/drawing/2014/main" id="{A14D5D7E-9088-3E19-561C-D6FDFAAF465E}"/>
               </a:ext>
             </a:extLst>
           </p:cNvPr>
@@ -7761,20 +8287,258 @@
         </p:blipFill>
         <p:spPr>
           <a:xfrm>
-            <a:off x="1000245" y="3135302"/>
-            <a:ext cx="8158269" cy="587395"/>
+            <a:off x="996112" y="3928492"/>
+            <a:ext cx="7494745" cy="2026824"/>
           </a:xfrm>
           <a:prstGeom prst="rect">
             <a:avLst/>
           </a:prstGeom>
         </p:spPr>
       </p:pic>
+    </p:spTree>
+    <p:extLst>
+      <p:ext uri="{BB962C8B-B14F-4D97-AF65-F5344CB8AC3E}">
+        <p14:creationId xmlns:p14="http://schemas.microsoft.com/office/powerpoint/2010/main" val="1849459411"/>
+      </p:ext>
+    </p:extLst>
+  </p:cSld>
+  <p:clrMapOvr>
+    <a:masterClrMapping/>
+  </p:clrMapOvr>
+</p:sld>
+</file>
+
+<file path=ppt/slides/slide23.xml><?xml version="1.0" encoding="utf-8"?>
+<p:sld xmlns:a="http://schemas.openxmlformats.org/drawingml/2006/main" xmlns:r="http://schemas.openxmlformats.org/officeDocument/2006/relationships" xmlns:p="http://schemas.openxmlformats.org/presentationml/2006/main">
+  <p:cSld>
+    <p:spTree>
+      <p:nvGrpSpPr>
+        <p:cNvPr id="1" name=""/>
+        <p:cNvGrpSpPr/>
+        <p:nvPr/>
+      </p:nvGrpSpPr>
+      <p:grpSpPr>
+        <a:xfrm>
+          <a:off x="0" y="0"/>
+          <a:ext cx="0" cy="0"/>
+          <a:chOff x="0" y="0"/>
+          <a:chExt cx="0" cy="0"/>
+        </a:xfrm>
+      </p:grpSpPr>
+      <p:sp>
+        <p:nvSpPr>
+          <p:cNvPr id="2" name="Title 1"/>
+          <p:cNvSpPr>
+            <a:spLocks noGrp="1"/>
+          </p:cNvSpPr>
+          <p:nvPr>
+            <p:ph type="title"/>
+          </p:nvPr>
+        </p:nvSpPr>
+        <p:spPr>
+          <a:xfrm>
+            <a:off x="838200" y="365126"/>
+            <a:ext cx="10515600" cy="981894"/>
+          </a:xfrm>
+        </p:spPr>
+        <p:txBody>
+          <a:bodyPr>
+            <a:normAutofit/>
+          </a:bodyPr>
+          <a:lstStyle/>
+          <a:p>
+            <a:r>
+              <a:rPr lang="en-US" dirty="0"/>
+              <a:t>Two-Sample t-Test </a:t>
+            </a:r>
+          </a:p>
+        </p:txBody>
+      </p:sp>
       <p:pic>
         <p:nvPicPr>
-          <p:cNvPr id="11" name="Picture 10">
+          <p:cNvPr id="3" name="Picture 2">
             <a:extLst>
               <a:ext uri="{FF2B5EF4-FFF2-40B4-BE49-F238E27FC236}">
-                <a16:creationId xmlns:a16="http://schemas.microsoft.com/office/drawing/2014/main" id="{D86EF1F1-6297-AAEB-4EE3-76653ABC79D6}"/>
+                <a16:creationId xmlns:a16="http://schemas.microsoft.com/office/drawing/2014/main" id="{3081B853-5E4A-9A91-A8E5-A850B4C9B625}"/>
+              </a:ext>
+            </a:extLst>
+          </p:cNvPr>
+          <p:cNvPicPr>
+            <a:picLocks noChangeAspect="1"/>
+          </p:cNvPicPr>
+          <p:nvPr/>
+        </p:nvPicPr>
+        <p:blipFill>
+          <a:blip r:embed="rId3"/>
+          <a:stretch>
+            <a:fillRect/>
+          </a:stretch>
+        </p:blipFill>
+        <p:spPr>
+          <a:xfrm>
+            <a:off x="1005111" y="1734530"/>
+            <a:ext cx="9475689" cy="981894"/>
+          </a:xfrm>
+          <a:prstGeom prst="rect">
+            <a:avLst/>
+          </a:prstGeom>
+        </p:spPr>
+      </p:pic>
+      <p:pic>
+        <p:nvPicPr>
+          <p:cNvPr id="4" name="Picture 3">
+            <a:extLst>
+              <a:ext uri="{FF2B5EF4-FFF2-40B4-BE49-F238E27FC236}">
+                <a16:creationId xmlns:a16="http://schemas.microsoft.com/office/drawing/2014/main" id="{7FC50642-8E55-DAFD-C26E-46A33631FCFD}"/>
+              </a:ext>
+            </a:extLst>
+          </p:cNvPr>
+          <p:cNvPicPr>
+            <a:picLocks noChangeAspect="1"/>
+          </p:cNvPicPr>
+          <p:nvPr/>
+        </p:nvPicPr>
+        <p:blipFill>
+          <a:blip r:embed="rId4"/>
+          <a:stretch>
+            <a:fillRect/>
+          </a:stretch>
+        </p:blipFill>
+        <p:spPr>
+          <a:xfrm>
+            <a:off x="1005112" y="3726405"/>
+            <a:ext cx="9475689" cy="981894"/>
+          </a:xfrm>
+          <a:prstGeom prst="rect">
+            <a:avLst/>
+          </a:prstGeom>
+        </p:spPr>
+      </p:pic>
+    </p:spTree>
+    <p:extLst>
+      <p:ext uri="{BB962C8B-B14F-4D97-AF65-F5344CB8AC3E}">
+        <p14:creationId xmlns:p14="http://schemas.microsoft.com/office/powerpoint/2010/main" val="862506463"/>
+      </p:ext>
+    </p:extLst>
+  </p:cSld>
+  <p:clrMapOvr>
+    <a:masterClrMapping/>
+  </p:clrMapOvr>
+</p:sld>
+</file>
+
+<file path=ppt/slides/slide24.xml><?xml version="1.0" encoding="utf-8"?>
+<p:sld xmlns:a="http://schemas.openxmlformats.org/drawingml/2006/main" xmlns:r="http://schemas.openxmlformats.org/officeDocument/2006/relationships" xmlns:p="http://schemas.openxmlformats.org/presentationml/2006/main">
+  <p:cSld>
+    <p:spTree>
+      <p:nvGrpSpPr>
+        <p:cNvPr id="1" name=""/>
+        <p:cNvGrpSpPr/>
+        <p:nvPr/>
+      </p:nvGrpSpPr>
+      <p:grpSpPr>
+        <a:xfrm>
+          <a:off x="0" y="0"/>
+          <a:ext cx="0" cy="0"/>
+          <a:chOff x="0" y="0"/>
+          <a:chExt cx="0" cy="0"/>
+        </a:xfrm>
+      </p:grpSpPr>
+      <p:sp>
+        <p:nvSpPr>
+          <p:cNvPr id="2" name="Title 1"/>
+          <p:cNvSpPr>
+            <a:spLocks noGrp="1"/>
+          </p:cNvSpPr>
+          <p:nvPr>
+            <p:ph type="title"/>
+          </p:nvPr>
+        </p:nvSpPr>
+        <p:spPr>
+          <a:xfrm>
+            <a:off x="838200" y="365126"/>
+            <a:ext cx="10515600" cy="981894"/>
+          </a:xfrm>
+        </p:spPr>
+        <p:txBody>
+          <a:bodyPr>
+            <a:normAutofit/>
+          </a:bodyPr>
+          <a:lstStyle/>
+          <a:p>
+            <a:r>
+              <a:rPr lang="en-US" dirty="0"/>
+              <a:t>Resampling</a:t>
+            </a:r>
+          </a:p>
+        </p:txBody>
+      </p:sp>
+      <p:pic>
+        <p:nvPicPr>
+          <p:cNvPr id="5" name="Picture 4">
+            <a:extLst>
+              <a:ext uri="{FF2B5EF4-FFF2-40B4-BE49-F238E27FC236}">
+                <a16:creationId xmlns:a16="http://schemas.microsoft.com/office/drawing/2014/main" id="{87D1D9FA-636B-F0DD-245E-DC5AA0850F15}"/>
+              </a:ext>
+            </a:extLst>
+          </p:cNvPr>
+          <p:cNvPicPr>
+            <a:picLocks noChangeAspect="1"/>
+          </p:cNvPicPr>
+          <p:nvPr/>
+        </p:nvPicPr>
+        <p:blipFill>
+          <a:blip r:embed="rId3"/>
+          <a:stretch>
+            <a:fillRect/>
+          </a:stretch>
+        </p:blipFill>
+        <p:spPr>
+          <a:xfrm>
+            <a:off x="968288" y="1599842"/>
+            <a:ext cx="9475689" cy="981894"/>
+          </a:xfrm>
+          <a:prstGeom prst="rect">
+            <a:avLst/>
+          </a:prstGeom>
+        </p:spPr>
+      </p:pic>
+      <p:pic>
+        <p:nvPicPr>
+          <p:cNvPr id="6" name="Picture 5">
+            <a:extLst>
+              <a:ext uri="{FF2B5EF4-FFF2-40B4-BE49-F238E27FC236}">
+                <a16:creationId xmlns:a16="http://schemas.microsoft.com/office/drawing/2014/main" id="{770724BC-69D8-6507-04B6-D7B37CFBB042}"/>
+              </a:ext>
+            </a:extLst>
+          </p:cNvPr>
+          <p:cNvPicPr>
+            <a:picLocks noChangeAspect="1"/>
+          </p:cNvPicPr>
+          <p:nvPr/>
+        </p:nvPicPr>
+        <p:blipFill>
+          <a:blip r:embed="rId4"/>
+          <a:stretch>
+            <a:fillRect/>
+          </a:stretch>
+        </p:blipFill>
+        <p:spPr>
+          <a:xfrm>
+            <a:off x="968288" y="2872447"/>
+            <a:ext cx="9331731" cy="479558"/>
+          </a:xfrm>
+          <a:prstGeom prst="rect">
+            <a:avLst/>
+          </a:prstGeom>
+        </p:spPr>
+      </p:pic>
+      <p:pic>
+        <p:nvPicPr>
+          <p:cNvPr id="7" name="Picture 6">
+            <a:extLst>
+              <a:ext uri="{FF2B5EF4-FFF2-40B4-BE49-F238E27FC236}">
+                <a16:creationId xmlns:a16="http://schemas.microsoft.com/office/drawing/2014/main" id="{6AB4FBAA-249E-19D5-1625-3222FBFAC9F8}"/>
               </a:ext>
             </a:extLst>
           </p:cNvPr>
@@ -7791,8 +8555,68 @@
         </p:blipFill>
         <p:spPr>
           <a:xfrm>
-            <a:off x="1145388" y="4276125"/>
-            <a:ext cx="3063755" cy="684948"/>
+            <a:off x="1858773" y="3623359"/>
+            <a:ext cx="6953416" cy="528217"/>
+          </a:xfrm>
+          <a:prstGeom prst="rect">
+            <a:avLst/>
+          </a:prstGeom>
+        </p:spPr>
+      </p:pic>
+      <p:pic>
+        <p:nvPicPr>
+          <p:cNvPr id="8" name="Picture 7">
+            <a:extLst>
+              <a:ext uri="{FF2B5EF4-FFF2-40B4-BE49-F238E27FC236}">
+                <a16:creationId xmlns:a16="http://schemas.microsoft.com/office/drawing/2014/main" id="{EAE4D7AF-100C-54AB-CA99-85232D528EC9}"/>
+              </a:ext>
+            </a:extLst>
+          </p:cNvPr>
+          <p:cNvPicPr>
+            <a:picLocks noChangeAspect="1"/>
+          </p:cNvPicPr>
+          <p:nvPr/>
+        </p:nvPicPr>
+        <p:blipFill>
+          <a:blip r:embed="rId6"/>
+          <a:stretch>
+            <a:fillRect/>
+          </a:stretch>
+        </p:blipFill>
+        <p:spPr>
+          <a:xfrm>
+            <a:off x="1952643" y="4452680"/>
+            <a:ext cx="8753188" cy="893349"/>
+          </a:xfrm>
+          <a:prstGeom prst="rect">
+            <a:avLst/>
+          </a:prstGeom>
+        </p:spPr>
+      </p:pic>
+      <p:pic>
+        <p:nvPicPr>
+          <p:cNvPr id="9" name="Picture 8">
+            <a:extLst>
+              <a:ext uri="{FF2B5EF4-FFF2-40B4-BE49-F238E27FC236}">
+                <a16:creationId xmlns:a16="http://schemas.microsoft.com/office/drawing/2014/main" id="{9C90A6DE-716A-4DB8-B197-2B1FBC4F336A}"/>
+              </a:ext>
+            </a:extLst>
+          </p:cNvPr>
+          <p:cNvPicPr>
+            <a:picLocks noChangeAspect="1"/>
+          </p:cNvPicPr>
+          <p:nvPr/>
+        </p:nvPicPr>
+        <p:blipFill>
+          <a:blip r:embed="rId7"/>
+          <a:stretch>
+            <a:fillRect/>
+          </a:stretch>
+        </p:blipFill>
+        <p:spPr>
+          <a:xfrm>
+            <a:off x="1952643" y="5647133"/>
+            <a:ext cx="8753184" cy="893349"/>
           </a:xfrm>
           <a:prstGeom prst="rect">
             <a:avLst/>
@@ -7802,7 +8626,137 @@
     </p:spTree>
     <p:extLst>
       <p:ext uri="{BB962C8B-B14F-4D97-AF65-F5344CB8AC3E}">
-        <p14:creationId xmlns:p14="http://schemas.microsoft.com/office/powerpoint/2010/main" val="1849459411"/>
+        <p14:creationId xmlns:p14="http://schemas.microsoft.com/office/powerpoint/2010/main" val="3922446680"/>
+      </p:ext>
+    </p:extLst>
+  </p:cSld>
+  <p:clrMapOvr>
+    <a:masterClrMapping/>
+  </p:clrMapOvr>
+</p:sld>
+</file>
+
+<file path=ppt/slides/slide25.xml><?xml version="1.0" encoding="utf-8"?>
+<p:sld xmlns:a="http://schemas.openxmlformats.org/drawingml/2006/main" xmlns:r="http://schemas.openxmlformats.org/officeDocument/2006/relationships" xmlns:p="http://schemas.openxmlformats.org/presentationml/2006/main">
+  <p:cSld>
+    <p:spTree>
+      <p:nvGrpSpPr>
+        <p:cNvPr id="1" name=""/>
+        <p:cNvGrpSpPr/>
+        <p:nvPr/>
+      </p:nvGrpSpPr>
+      <p:grpSpPr>
+        <a:xfrm>
+          <a:off x="0" y="0"/>
+          <a:ext cx="0" cy="0"/>
+          <a:chOff x="0" y="0"/>
+          <a:chExt cx="0" cy="0"/>
+        </a:xfrm>
+      </p:grpSpPr>
+      <p:sp>
+        <p:nvSpPr>
+          <p:cNvPr id="2" name="Title 1"/>
+          <p:cNvSpPr>
+            <a:spLocks noGrp="1"/>
+          </p:cNvSpPr>
+          <p:nvPr>
+            <p:ph type="title"/>
+          </p:nvPr>
+        </p:nvSpPr>
+        <p:spPr>
+          <a:xfrm>
+            <a:off x="838200" y="365126"/>
+            <a:ext cx="10515600" cy="981894"/>
+          </a:xfrm>
+        </p:spPr>
+        <p:txBody>
+          <a:bodyPr>
+            <a:normAutofit/>
+          </a:bodyPr>
+          <a:lstStyle/>
+          <a:p>
+            <a:r>
+              <a:rPr lang="en-US" dirty="0"/>
+              <a:t>P-Value</a:t>
+            </a:r>
+          </a:p>
+        </p:txBody>
+      </p:sp>
+      <p:pic>
+        <p:nvPicPr>
+          <p:cNvPr id="3" name="Picture 2">
+            <a:extLst>
+              <a:ext uri="{FF2B5EF4-FFF2-40B4-BE49-F238E27FC236}">
+                <a16:creationId xmlns:a16="http://schemas.microsoft.com/office/drawing/2014/main" id="{8A0AF9AE-1713-51A4-9642-36BFC8A0DD6D}"/>
+              </a:ext>
+            </a:extLst>
+          </p:cNvPr>
+          <p:cNvPicPr>
+            <a:picLocks noChangeAspect="1"/>
+          </p:cNvPicPr>
+          <p:nvPr/>
+        </p:nvPicPr>
+        <p:blipFill>
+          <a:blip r:embed="rId3"/>
+          <a:stretch>
+            <a:fillRect/>
+          </a:stretch>
+        </p:blipFill>
+        <p:spPr>
+          <a:xfrm>
+            <a:off x="838200" y="1750379"/>
+            <a:ext cx="9476257" cy="2081392"/>
+          </a:xfrm>
+          <a:prstGeom prst="rect">
+            <a:avLst/>
+          </a:prstGeom>
+        </p:spPr>
+      </p:pic>
+      <p:sp>
+        <p:nvSpPr>
+          <p:cNvPr id="4" name="TextBox 3">
+            <a:extLst>
+              <a:ext uri="{FF2B5EF4-FFF2-40B4-BE49-F238E27FC236}">
+                <a16:creationId xmlns:a16="http://schemas.microsoft.com/office/drawing/2014/main" id="{87266E85-F9D8-511D-D05C-ED65E4A99A0E}"/>
+              </a:ext>
+            </a:extLst>
+          </p:cNvPr>
+          <p:cNvSpPr txBox="1"/>
+          <p:nvPr/>
+        </p:nvSpPr>
+        <p:spPr>
+          <a:xfrm>
+            <a:off x="838200" y="4235130"/>
+            <a:ext cx="9727558" cy="1384995"/>
+          </a:xfrm>
+          <a:prstGeom prst="rect">
+            <a:avLst/>
+          </a:prstGeom>
+          <a:noFill/>
+        </p:spPr>
+        <p:txBody>
+          <a:bodyPr wrap="square">
+            <a:spAutoFit/>
+          </a:bodyPr>
+          <a:lstStyle/>
+          <a:p>
+            <a:r>
+              <a:rPr lang="en-US" altLang="zh-CN" sz="2800" dirty="0"/>
+              <a:t>Re-sampling approaches are useful if the theoretical null distribution is unavailable, or requires stringent assumptions. </a:t>
+            </a:r>
+          </a:p>
+          <a:p>
+            <a:r>
+              <a:rPr lang="en-US" altLang="zh-CN" sz="2800" dirty="0"/>
+              <a:t> </a:t>
+            </a:r>
+          </a:p>
+        </p:txBody>
+      </p:sp>
+    </p:spTree>
+    <p:extLst>
+      <p:ext uri="{BB962C8B-B14F-4D97-AF65-F5344CB8AC3E}">
+        <p14:creationId xmlns:p14="http://schemas.microsoft.com/office/powerpoint/2010/main" val="3115550626"/>
       </p:ext>
     </p:extLst>
   </p:cSld>

--- a/_umkc-teaching/slides/Lecture13.pptx
+++ b/_umkc-teaching/slides/Lecture13.pptx
@@ -8000,6 +8000,36 @@
           <a:xfrm>
             <a:off x="838199" y="4289451"/>
             <a:ext cx="9451558" cy="610072"/>
+          </a:xfrm>
+          <a:prstGeom prst="rect">
+            <a:avLst/>
+          </a:prstGeom>
+        </p:spPr>
+      </p:pic>
+      <p:pic>
+        <p:nvPicPr>
+          <p:cNvPr id="3" name="Picture 2">
+            <a:extLst>
+              <a:ext uri="{FF2B5EF4-FFF2-40B4-BE49-F238E27FC236}">
+                <a16:creationId xmlns:a16="http://schemas.microsoft.com/office/drawing/2014/main" id="{52CF01CA-DF51-176F-CA94-653302967606}"/>
+              </a:ext>
+            </a:extLst>
+          </p:cNvPr>
+          <p:cNvPicPr>
+            <a:picLocks noChangeAspect="1"/>
+          </p:cNvPicPr>
+          <p:nvPr/>
+        </p:nvPicPr>
+        <p:blipFill>
+          <a:blip r:embed="rId6"/>
+          <a:stretch>
+            <a:fillRect/>
+          </a:stretch>
+        </p:blipFill>
+        <p:spPr>
+          <a:xfrm>
+            <a:off x="911772" y="5488438"/>
+            <a:ext cx="6140670" cy="560240"/>
           </a:xfrm>
           <a:prstGeom prst="rect">
             <a:avLst/>
